--- a/Term Project.pptx
+++ b/Term Project.pptx
@@ -116,6 +116,11 @@
       </a:defRPr>
     </a:lvl9pPr>
   </p:defaultTextStyle>
+  <p:extLst>
+    <p:ext uri="{EFAFB233-063F-42B5-8137-9DF3F51BA10A}">
+      <p15:sldGuideLst xmlns:p15="http://schemas.microsoft.com/office/powerpoint/2012/main"/>
+    </p:ext>
+  </p:extLst>
 </p:presentation>
 </file>
 
@@ -4794,17 +4799,17 @@
   </dgm:ptLst>
   <dgm:cxnLst>
     <dgm:cxn modelId="{6AECB018-7A8B-45E8-8FDA-9A1E525E2978}" srcId="{2C1D0E61-6CF3-4E34-8E98-66A28B042BDE}" destId="{31A4E6A4-4C66-428C-BD36-0BD5D9D4375F}" srcOrd="0" destOrd="0" parTransId="{4821C03B-2E6F-4EB3-A601-D719D091A6D9}" sibTransId="{67D3B46D-81D5-4A6B-B844-27C76868D7EF}"/>
-    <dgm:cxn modelId="{9A47DB4F-3C78-7E4E-AA45-939ADBF60DD7}" type="presOf" srcId="{31A4E6A4-4C66-428C-BD36-0BD5D9D4375F}" destId="{0F50A02B-B9DF-3445-87EB-52410F1D76CE}" srcOrd="0" destOrd="0" presId="urn:microsoft.com/office/officeart/2005/8/layout/vList2"/>
-    <dgm:cxn modelId="{D108F953-18C1-C040-B3C6-17129AB71670}" type="presOf" srcId="{385C11BF-A3D0-4CE0-95B0-64C9F226967A}" destId="{AFA57DE7-9B70-574F-9FD2-C1A9AFAEF5C8}" srcOrd="0" destOrd="0" presId="urn:microsoft.com/office/officeart/2005/8/layout/vList2"/>
+    <dgm:cxn modelId="{40D3A330-1DEB-E248-9E7A-99128C21E3FB}" type="presOf" srcId="{B7AFA1B3-55CF-413A-942E-2D2B78FC8D86}" destId="{D919020B-093B-4549-97BD-DEA8AB3EB09A}" srcOrd="0" destOrd="0" presId="urn:microsoft.com/office/officeart/2005/8/layout/vList2"/>
+    <dgm:cxn modelId="{5DEF1067-E3E2-2943-96EA-6EF0F0A4FDCE}" type="presOf" srcId="{385C11BF-A3D0-4CE0-95B0-64C9F226967A}" destId="{AFA57DE7-9B70-574F-9FD2-C1A9AFAEF5C8}" srcOrd="0" destOrd="0" presId="urn:microsoft.com/office/officeart/2005/8/layout/vList2"/>
     <dgm:cxn modelId="{607F46BB-C5F9-4362-9F12-63CB0CB27BDA}" srcId="{2C1D0E61-6CF3-4E34-8E98-66A28B042BDE}" destId="{B7AFA1B3-55CF-413A-942E-2D2B78FC8D86}" srcOrd="1" destOrd="0" parTransId="{D7578586-59B0-4273-B78F-A8DE92518B86}" sibTransId="{9F901592-7CE2-451E-ABB1-28D429B068BC}"/>
-    <dgm:cxn modelId="{5F1E9EBF-0B7E-7A46-87AE-B44E9C5E7504}" type="presOf" srcId="{2C1D0E61-6CF3-4E34-8E98-66A28B042BDE}" destId="{0DC2260B-795E-B841-8A6F-07F0C0FD0134}" srcOrd="0" destOrd="0" presId="urn:microsoft.com/office/officeart/2005/8/layout/vList2"/>
+    <dgm:cxn modelId="{DEC4A1C7-6168-D943-A523-1271069AF198}" type="presOf" srcId="{2C1D0E61-6CF3-4E34-8E98-66A28B042BDE}" destId="{0DC2260B-795E-B841-8A6F-07F0C0FD0134}" srcOrd="0" destOrd="0" presId="urn:microsoft.com/office/officeart/2005/8/layout/vList2"/>
     <dgm:cxn modelId="{4013D9C7-5F4C-41E1-848B-C9EEEFABB0AE}" srcId="{2C1D0E61-6CF3-4E34-8E98-66A28B042BDE}" destId="{385C11BF-A3D0-4CE0-95B0-64C9F226967A}" srcOrd="2" destOrd="0" parTransId="{5E8C1B32-E761-4BE0-9E47-585891FA0827}" sibTransId="{76A517A3-CD54-4A3A-89D5-55427890A47B}"/>
-    <dgm:cxn modelId="{255A31F6-652D-E244-AD23-EBBE9AC02576}" type="presOf" srcId="{B7AFA1B3-55CF-413A-942E-2D2B78FC8D86}" destId="{D919020B-093B-4549-97BD-DEA8AB3EB09A}" srcOrd="0" destOrd="0" presId="urn:microsoft.com/office/officeart/2005/8/layout/vList2"/>
-    <dgm:cxn modelId="{466D981B-106D-9F48-AD18-4E186F9BB940}" type="presParOf" srcId="{0DC2260B-795E-B841-8A6F-07F0C0FD0134}" destId="{0F50A02B-B9DF-3445-87EB-52410F1D76CE}" srcOrd="0" destOrd="0" presId="urn:microsoft.com/office/officeart/2005/8/layout/vList2"/>
-    <dgm:cxn modelId="{FAF76C53-1C1C-F04F-A2A0-100A5C48F051}" type="presParOf" srcId="{0DC2260B-795E-B841-8A6F-07F0C0FD0134}" destId="{21C29F44-9816-9E49-83D3-DFDF4CDCDD3E}" srcOrd="1" destOrd="0" presId="urn:microsoft.com/office/officeart/2005/8/layout/vList2"/>
-    <dgm:cxn modelId="{D2CBB267-D749-C94A-B926-7FC74A2BD2BC}" type="presParOf" srcId="{0DC2260B-795E-B841-8A6F-07F0C0FD0134}" destId="{D919020B-093B-4549-97BD-DEA8AB3EB09A}" srcOrd="2" destOrd="0" presId="urn:microsoft.com/office/officeart/2005/8/layout/vList2"/>
-    <dgm:cxn modelId="{AD10B95C-048C-5D4B-AA19-52317CC6E0A0}" type="presParOf" srcId="{0DC2260B-795E-B841-8A6F-07F0C0FD0134}" destId="{58B9BDF6-E72F-0A4F-9F14-C1FB00517C88}" srcOrd="3" destOrd="0" presId="urn:microsoft.com/office/officeart/2005/8/layout/vList2"/>
-    <dgm:cxn modelId="{F39566B4-D88C-2547-8AB9-48109AE2C293}" type="presParOf" srcId="{0DC2260B-795E-B841-8A6F-07F0C0FD0134}" destId="{AFA57DE7-9B70-574F-9FD2-C1A9AFAEF5C8}" srcOrd="4" destOrd="0" presId="urn:microsoft.com/office/officeart/2005/8/layout/vList2"/>
+    <dgm:cxn modelId="{2E5499DF-ABDD-8640-990A-7CDBB619A4CC}" type="presOf" srcId="{31A4E6A4-4C66-428C-BD36-0BD5D9D4375F}" destId="{0F50A02B-B9DF-3445-87EB-52410F1D76CE}" srcOrd="0" destOrd="0" presId="urn:microsoft.com/office/officeart/2005/8/layout/vList2"/>
+    <dgm:cxn modelId="{03240433-7389-E043-A413-12F165FEBE77}" type="presParOf" srcId="{0DC2260B-795E-B841-8A6F-07F0C0FD0134}" destId="{0F50A02B-B9DF-3445-87EB-52410F1D76CE}" srcOrd="0" destOrd="0" presId="urn:microsoft.com/office/officeart/2005/8/layout/vList2"/>
+    <dgm:cxn modelId="{43DAF7AA-2F8D-7A48-9078-AC09B3A58E44}" type="presParOf" srcId="{0DC2260B-795E-B841-8A6F-07F0C0FD0134}" destId="{21C29F44-9816-9E49-83D3-DFDF4CDCDD3E}" srcOrd="1" destOrd="0" presId="urn:microsoft.com/office/officeart/2005/8/layout/vList2"/>
+    <dgm:cxn modelId="{D419D8F1-BA77-3246-BC41-1C0BCEC74E50}" type="presParOf" srcId="{0DC2260B-795E-B841-8A6F-07F0C0FD0134}" destId="{D919020B-093B-4549-97BD-DEA8AB3EB09A}" srcOrd="2" destOrd="0" presId="urn:microsoft.com/office/officeart/2005/8/layout/vList2"/>
+    <dgm:cxn modelId="{DF06ACD2-2C41-5E4D-88E6-D73666E60ABD}" type="presParOf" srcId="{0DC2260B-795E-B841-8A6F-07F0C0FD0134}" destId="{58B9BDF6-E72F-0A4F-9F14-C1FB00517C88}" srcOrd="3" destOrd="0" presId="urn:microsoft.com/office/officeart/2005/8/layout/vList2"/>
+    <dgm:cxn modelId="{8D925B1B-D14F-804C-8244-531D0DCBAF30}" type="presParOf" srcId="{0DC2260B-795E-B841-8A6F-07F0C0FD0134}" destId="{AFA57DE7-9B70-574F-9FD2-C1A9AFAEF5C8}" srcOrd="4" destOrd="0" presId="urn:microsoft.com/office/officeart/2005/8/layout/vList2"/>
   </dgm:cxnLst>
   <dgm:bg/>
   <dgm:whole/>
@@ -5674,7 +5679,7 @@
         <a:lstStyle/>
         <a:p>
           <a:r>
-            <a:rPr lang="en-US"/>
+            <a:rPr lang="en-US" dirty="0"/>
             <a:t>Though there was no work with analyzing why each feature impacted application status, models like this one could influence social justice work or immigration reform my drawing attention to disparities in immigration from certain countries or by people of specific educational or ethnic backgrounds</a:t>
           </a:r>
         </a:p>
@@ -5735,14 +5740,14 @@
     </dgm:pt>
   </dgm:ptLst>
   <dgm:cxnLst>
-    <dgm:cxn modelId="{5213D45C-4F43-7A4D-A99C-B4ABD47F8337}" type="presOf" srcId="{87DE20D2-10CC-4AD0-8E80-7F8375A7376E}" destId="{DAC26DE3-C9D4-3B4D-B99C-5F128410D9E7}" srcOrd="0" destOrd="0" presId="urn:microsoft.com/office/officeart/2005/8/layout/vList2"/>
-    <dgm:cxn modelId="{0BD735BC-9823-A149-8A42-3CFB2002FD9A}" type="presOf" srcId="{7B309A50-6F11-41B3-BD09-7E37558F141C}" destId="{6A59714E-EB05-AC4D-B77D-3768AC2D1A6F}" srcOrd="0" destOrd="0" presId="urn:microsoft.com/office/officeart/2005/8/layout/vList2"/>
-    <dgm:cxn modelId="{5AB2CDE7-B08F-7045-A325-1FC7F1DAEAF6}" type="presOf" srcId="{B10B2487-8F28-4E3F-9BA6-B30F528DFA48}" destId="{A9CAE894-6503-014F-899C-24C11E1440E7}" srcOrd="0" destOrd="0" presId="urn:microsoft.com/office/officeart/2005/8/layout/vList2"/>
+    <dgm:cxn modelId="{E49C3C0E-1934-064C-A761-519B178E69E6}" type="presOf" srcId="{87DE20D2-10CC-4AD0-8E80-7F8375A7376E}" destId="{DAC26DE3-C9D4-3B4D-B99C-5F128410D9E7}" srcOrd="0" destOrd="0" presId="urn:microsoft.com/office/officeart/2005/8/layout/vList2"/>
+    <dgm:cxn modelId="{E6CD7419-8235-A441-BB84-F4FC075B5F15}" type="presOf" srcId="{7B309A50-6F11-41B3-BD09-7E37558F141C}" destId="{6A59714E-EB05-AC4D-B77D-3768AC2D1A6F}" srcOrd="0" destOrd="0" presId="urn:microsoft.com/office/officeart/2005/8/layout/vList2"/>
+    <dgm:cxn modelId="{93759FBE-A159-4A42-99B9-355226D72777}" type="presOf" srcId="{B10B2487-8F28-4E3F-9BA6-B30F528DFA48}" destId="{A9CAE894-6503-014F-899C-24C11E1440E7}" srcOrd="0" destOrd="0" presId="urn:microsoft.com/office/officeart/2005/8/layout/vList2"/>
     <dgm:cxn modelId="{3FF47CE8-A0F6-423A-B643-C769D8CCC084}" srcId="{87DE20D2-10CC-4AD0-8E80-7F8375A7376E}" destId="{7B309A50-6F11-41B3-BD09-7E37558F141C}" srcOrd="0" destOrd="0" parTransId="{DD8E9FAF-0AA8-4E6D-AB48-4116EB303822}" sibTransId="{5E4472CC-BDD8-4B33-B44C-4FF1527EB823}"/>
     <dgm:cxn modelId="{B64300F4-DDA9-4B9E-A8C3-715F12678C5E}" srcId="{87DE20D2-10CC-4AD0-8E80-7F8375A7376E}" destId="{B10B2487-8F28-4E3F-9BA6-B30F528DFA48}" srcOrd="1" destOrd="0" parTransId="{F0E9E034-9066-42BD-9743-DE2715B51F9F}" sibTransId="{1251ABDF-DB80-4283-A847-4870602468EE}"/>
-    <dgm:cxn modelId="{4AB49FE0-C4D1-DD48-9521-853692EA5A66}" type="presParOf" srcId="{DAC26DE3-C9D4-3B4D-B99C-5F128410D9E7}" destId="{6A59714E-EB05-AC4D-B77D-3768AC2D1A6F}" srcOrd="0" destOrd="0" presId="urn:microsoft.com/office/officeart/2005/8/layout/vList2"/>
-    <dgm:cxn modelId="{BCA1DFB6-42A7-514C-901C-BB862AD05EAE}" type="presParOf" srcId="{DAC26DE3-C9D4-3B4D-B99C-5F128410D9E7}" destId="{120D7015-19F0-9641-A822-87751E5296D4}" srcOrd="1" destOrd="0" presId="urn:microsoft.com/office/officeart/2005/8/layout/vList2"/>
-    <dgm:cxn modelId="{68EFBF97-76A4-1F49-9B28-43FF2DA60728}" type="presParOf" srcId="{DAC26DE3-C9D4-3B4D-B99C-5F128410D9E7}" destId="{A9CAE894-6503-014F-899C-24C11E1440E7}" srcOrd="2" destOrd="0" presId="urn:microsoft.com/office/officeart/2005/8/layout/vList2"/>
+    <dgm:cxn modelId="{68C8E0EF-792C-EE47-83AC-55EC634AD291}" type="presParOf" srcId="{DAC26DE3-C9D4-3B4D-B99C-5F128410D9E7}" destId="{6A59714E-EB05-AC4D-B77D-3768AC2D1A6F}" srcOrd="0" destOrd="0" presId="urn:microsoft.com/office/officeart/2005/8/layout/vList2"/>
+    <dgm:cxn modelId="{4B2C8C30-AB0D-E140-A09F-E4C9A18D03B6}" type="presParOf" srcId="{DAC26DE3-C9D4-3B4D-B99C-5F128410D9E7}" destId="{120D7015-19F0-9641-A822-87751E5296D4}" srcOrd="1" destOrd="0" presId="urn:microsoft.com/office/officeart/2005/8/layout/vList2"/>
+    <dgm:cxn modelId="{10A048BD-B5AD-2B42-B213-E93CBE5B8CF3}" type="presParOf" srcId="{DAC26DE3-C9D4-3B4D-B99C-5F128410D9E7}" destId="{A9CAE894-6503-014F-899C-24C11E1440E7}" srcOrd="2" destOrd="0" presId="urn:microsoft.com/office/officeart/2005/8/layout/vList2"/>
   </dgm:cxnLst>
   <dgm:bg/>
   <dgm:whole/>
@@ -8152,7 +8157,7 @@
             <a:buNone/>
           </a:pPr>
           <a:r>
-            <a:rPr lang="en-US" sz="2000" kern="1200"/>
+            <a:rPr lang="en-US" sz="2000" kern="1200" dirty="0"/>
             <a:t>Though there was no work with analyzing why each feature impacted application status, models like this one could influence social justice work or immigration reform my drawing attention to disparities in immigration from certain countries or by people of specific educational or ethnic backgrounds</a:t>
           </a:r>
         </a:p>
@@ -18780,7 +18785,7 @@
       </p:grpSpPr>
       <p:sp useBgFill="1">
         <p:nvSpPr>
-          <p:cNvPr id="27" name="Rectangle 26">
+          <p:cNvPr id="42" name="Rectangle 41">
             <a:extLst>
               <a:ext uri="{FF2B5EF4-FFF2-40B4-BE49-F238E27FC236}">
                 <a16:creationId xmlns:a16="http://schemas.microsoft.com/office/drawing/2014/main" id="{CF10C978-51B5-420C-9A05-C8F194EACAC3}"/>
@@ -18840,7 +18845,7 @@
       </p:sp>
       <p:sp>
         <p:nvSpPr>
-          <p:cNvPr id="29" name="Rectangle 28">
+          <p:cNvPr id="44" name="Rectangle 43">
             <a:extLst>
               <a:ext uri="{FF2B5EF4-FFF2-40B4-BE49-F238E27FC236}">
                 <a16:creationId xmlns:a16="http://schemas.microsoft.com/office/drawing/2014/main" id="{28D34D1C-4E49-4D32-96F1-E49CEBBF86E0}"/>
@@ -18906,7 +18911,7 @@
       </p:sp>
       <p:grpSp>
         <p:nvGrpSpPr>
-          <p:cNvPr id="31" name="Group 30">
+          <p:cNvPr id="46" name="Group 45">
             <a:extLst>
               <a:ext uri="{FF2B5EF4-FFF2-40B4-BE49-F238E27FC236}">
                 <a16:creationId xmlns:a16="http://schemas.microsoft.com/office/drawing/2014/main" id="{6EDBC9C2-2A39-44A2-9D95-D1DE9E2B127D}"/>
@@ -18937,7 +18942,7 @@
         </p:grpSpPr>
         <p:cxnSp>
           <p:nvCxnSpPr>
-            <p:cNvPr id="32" name="Straight Connector 31">
+            <p:cNvPr id="47" name="Straight Connector 46">
               <a:extLst>
                 <a:ext uri="{FF2B5EF4-FFF2-40B4-BE49-F238E27FC236}">
                   <a16:creationId xmlns:a16="http://schemas.microsoft.com/office/drawing/2014/main" id="{793379BC-3088-4AE8-8EF7-59370D7EB927}"/>
@@ -18989,7 +18994,7 @@
         </p:cxnSp>
         <p:cxnSp>
           <p:nvCxnSpPr>
-            <p:cNvPr id="33" name="Straight Connector 32">
+            <p:cNvPr id="48" name="Straight Connector 47">
               <a:extLst>
                 <a:ext uri="{FF2B5EF4-FFF2-40B4-BE49-F238E27FC236}">
                   <a16:creationId xmlns:a16="http://schemas.microsoft.com/office/drawing/2014/main" id="{141DE74C-25AE-4959-99D5-0A77F1DFC8D3}"/>
@@ -19041,7 +19046,7 @@
         </p:cxnSp>
         <p:cxnSp>
           <p:nvCxnSpPr>
-            <p:cNvPr id="34" name="Straight Connector 33">
+            <p:cNvPr id="49" name="Straight Connector 48">
               <a:extLst>
                 <a:ext uri="{FF2B5EF4-FFF2-40B4-BE49-F238E27FC236}">
                   <a16:creationId xmlns:a16="http://schemas.microsoft.com/office/drawing/2014/main" id="{3D9235EF-4E81-496D-ADA8-13EED901E967}"/>
@@ -19093,7 +19098,7 @@
         </p:cxnSp>
         <p:cxnSp>
           <p:nvCxnSpPr>
-            <p:cNvPr id="35" name="Straight Connector 34">
+            <p:cNvPr id="50" name="Straight Connector 49">
               <a:extLst>
                 <a:ext uri="{FF2B5EF4-FFF2-40B4-BE49-F238E27FC236}">
                   <a16:creationId xmlns:a16="http://schemas.microsoft.com/office/drawing/2014/main" id="{F7241A77-6415-454C-B86E-F42A2802677E}"/>
@@ -19209,7 +19214,7 @@
           <a:p>
             <a:r>
               <a:rPr lang="en-US" dirty="0"/>
-              <a:t>When my boosted model was used on my test set I got an overall accuracy of 91%</a:t>
+              <a:t>When my boosted model was used on my test set I got an overall accuracy of almost 89%</a:t>
             </a:r>
           </a:p>
           <a:p>
@@ -19222,7 +19227,7 @@
       </p:sp>
       <p:cxnSp>
         <p:nvCxnSpPr>
-          <p:cNvPr id="37" name="Straight Connector 36">
+          <p:cNvPr id="52" name="Straight Connector 51">
             <a:extLst>
               <a:ext uri="{FF2B5EF4-FFF2-40B4-BE49-F238E27FC236}">
                 <a16:creationId xmlns:a16="http://schemas.microsoft.com/office/drawing/2014/main" id="{E32B0B7D-C67A-4103-B2F0-ACE40BD56D02}"/>
@@ -19274,10 +19279,10 @@
       </p:cxnSp>
       <p:pic>
         <p:nvPicPr>
-          <p:cNvPr id="5" name="Content Placeholder 4" descr="Text&#10;&#10;Description automatically generated">
+          <p:cNvPr id="4" name="Picture 3" descr="Text&#10;&#10;Description automatically generated">
             <a:extLst>
               <a:ext uri="{FF2B5EF4-FFF2-40B4-BE49-F238E27FC236}">
-                <a16:creationId xmlns:a16="http://schemas.microsoft.com/office/drawing/2014/main" id="{EAFB2134-3B33-8576-2084-9D571DF8DED6}"/>
+                <a16:creationId xmlns:a16="http://schemas.microsoft.com/office/drawing/2014/main" id="{95F9BEB9-C333-5EE5-930A-242D05B619DE}"/>
               </a:ext>
             </a:extLst>
           </p:cNvPr>
@@ -19294,8 +19299,8 @@
         </p:blipFill>
         <p:spPr>
           <a:xfrm>
-            <a:off x="6772687" y="868081"/>
-            <a:ext cx="4109313" cy="5120640"/>
+            <a:off x="6734282" y="868081"/>
+            <a:ext cx="4186123" cy="5120640"/>
           </a:xfrm>
           <a:prstGeom prst="rect">
             <a:avLst/>
@@ -19340,544 +19345,9 @@
           <a:chExt cx="0" cy="0"/>
         </a:xfrm>
       </p:grpSpPr>
-      <p:sp useBgFill="1">
-        <p:nvSpPr>
-          <p:cNvPr id="9" name="Rectangle 8">
-            <a:extLst>
-              <a:ext uri="{FF2B5EF4-FFF2-40B4-BE49-F238E27FC236}">
-                <a16:creationId xmlns:a16="http://schemas.microsoft.com/office/drawing/2014/main" id="{B62E0F97-3B68-4A9A-81FD-184E8051D278}"/>
-              </a:ext>
-              <a:ext uri="{C183D7F6-B498-43B3-948B-1728B52AA6E4}">
-                <adec:decorative xmlns:adec="http://schemas.microsoft.com/office/drawing/2017/decorative" val="1"/>
-              </a:ext>
-            </a:extLst>
-          </p:cNvPr>
-          <p:cNvSpPr>
-            <a:spLocks noGrp="1" noRot="1" noChangeAspect="1" noMove="1" noResize="1" noEditPoints="1" noAdjustHandles="1" noChangeArrowheads="1" noChangeShapeType="1" noTextEdit="1"/>
-          </p:cNvSpPr>
-          <p:nvPr>
-            <p:extLst>
-              <p:ext uri="{386F3935-93C4-4BCD-93E2-E3B085C9AB24}">
-                <p16:designElem xmlns:p16="http://schemas.microsoft.com/office/powerpoint/2015/main" val="1"/>
-              </p:ext>
-            </p:extLst>
-          </p:nvPr>
-        </p:nvSpPr>
-        <p:spPr>
-          <a:xfrm>
-            <a:off x="0" y="3"/>
-            <a:ext cx="12192000" cy="6857997"/>
-          </a:xfrm>
-          <a:prstGeom prst="rect">
-            <a:avLst/>
-          </a:prstGeom>
-          <a:ln>
-            <a:noFill/>
-          </a:ln>
-        </p:spPr>
-        <p:style>
-          <a:lnRef idx="2">
-            <a:schemeClr val="accent1">
-              <a:shade val="50000"/>
-            </a:schemeClr>
-          </a:lnRef>
-          <a:fillRef idx="1">
-            <a:schemeClr val="accent1"/>
-          </a:fillRef>
-          <a:effectRef idx="0">
-            <a:schemeClr val="accent1"/>
-          </a:effectRef>
-          <a:fontRef idx="minor">
-            <a:schemeClr val="lt1"/>
-          </a:fontRef>
-        </p:style>
-        <p:txBody>
-          <a:bodyPr rtlCol="0" anchor="ctr"/>
-          <a:lstStyle/>
-          <a:p>
-            <a:pPr algn="ctr"/>
-            <a:endParaRPr lang="en-US"/>
-          </a:p>
-        </p:txBody>
-      </p:sp>
       <p:sp>
         <p:nvSpPr>
-          <p:cNvPr id="11" name="Rectangle 10">
-            <a:extLst>
-              <a:ext uri="{FF2B5EF4-FFF2-40B4-BE49-F238E27FC236}">
-                <a16:creationId xmlns:a16="http://schemas.microsoft.com/office/drawing/2014/main" id="{1A9C0995-256A-4F90-97D6-FB8958A5D433}"/>
-              </a:ext>
-              <a:ext uri="{C183D7F6-B498-43B3-948B-1728B52AA6E4}">
-                <adec:decorative xmlns:adec="http://schemas.microsoft.com/office/drawing/2017/decorative" val="1"/>
-              </a:ext>
-            </a:extLst>
-          </p:cNvPr>
-          <p:cNvSpPr>
-            <a:spLocks noGrp="1" noRot="1" noChangeAspect="1" noMove="1" noResize="1" noEditPoints="1" noAdjustHandles="1" noChangeArrowheads="1" noChangeShapeType="1" noTextEdit="1"/>
-          </p:cNvSpPr>
-          <p:nvPr>
-            <p:extLst>
-              <p:ext uri="{386F3935-93C4-4BCD-93E2-E3B085C9AB24}">
-                <p16:designElem xmlns:p16="http://schemas.microsoft.com/office/powerpoint/2015/main" val="1"/>
-              </p:ext>
-            </p:extLst>
-          </p:nvPr>
-        </p:nvSpPr>
-        <p:spPr>
-          <a:xfrm>
-            <a:off x="0" y="3"/>
-            <a:ext cx="12192000" cy="6857997"/>
-          </a:xfrm>
-          <a:prstGeom prst="rect">
-            <a:avLst/>
-          </a:prstGeom>
-          <a:solidFill>
-            <a:schemeClr val="bg2">
-              <a:lumMod val="60000"/>
-              <a:lumOff val="40000"/>
-            </a:schemeClr>
-          </a:solidFill>
-          <a:ln>
-            <a:noFill/>
-          </a:ln>
-        </p:spPr>
-        <p:style>
-          <a:lnRef idx="2">
-            <a:schemeClr val="accent1">
-              <a:shade val="50000"/>
-            </a:schemeClr>
-          </a:lnRef>
-          <a:fillRef idx="1">
-            <a:schemeClr val="accent1"/>
-          </a:fillRef>
-          <a:effectRef idx="0">
-            <a:schemeClr val="accent1"/>
-          </a:effectRef>
-          <a:fontRef idx="minor">
-            <a:schemeClr val="lt1"/>
-          </a:fontRef>
-        </p:style>
-        <p:txBody>
-          <a:bodyPr rtlCol="0" anchor="ctr"/>
-          <a:lstStyle/>
-          <a:p>
-            <a:pPr algn="ctr"/>
-            <a:endParaRPr lang="en-US" dirty="0"/>
-          </a:p>
-        </p:txBody>
-      </p:sp>
-      <p:sp>
-        <p:nvSpPr>
-          <p:cNvPr id="2" name="Title 1">
-            <a:extLst>
-              <a:ext uri="{FF2B5EF4-FFF2-40B4-BE49-F238E27FC236}">
-                <a16:creationId xmlns:a16="http://schemas.microsoft.com/office/drawing/2014/main" id="{0ABD71A8-0A7C-B494-B228-8F201A6C0C85}"/>
-              </a:ext>
-            </a:extLst>
-          </p:cNvPr>
-          <p:cNvSpPr>
-            <a:spLocks noGrp="1"/>
-          </p:cNvSpPr>
-          <p:nvPr>
-            <p:ph type="title"/>
-          </p:nvPr>
-        </p:nvSpPr>
-        <p:spPr>
-          <a:xfrm>
-            <a:off x="838201" y="581265"/>
-            <a:ext cx="4114800" cy="5695398"/>
-          </a:xfrm>
-        </p:spPr>
-        <p:txBody>
-          <a:bodyPr anchor="ctr">
-            <a:normAutofit/>
-          </a:bodyPr>
-          <a:lstStyle/>
-          <a:p>
-            <a:r>
-              <a:rPr lang="en-US" sz="5200"/>
-              <a:t>Future work</a:t>
-            </a:r>
-          </a:p>
-        </p:txBody>
-      </p:sp>
-      <p:sp>
-        <p:nvSpPr>
-          <p:cNvPr id="13" name="Rectangle 12">
-            <a:extLst>
-              <a:ext uri="{FF2B5EF4-FFF2-40B4-BE49-F238E27FC236}">
-                <a16:creationId xmlns:a16="http://schemas.microsoft.com/office/drawing/2014/main" id="{9346307A-DFE3-4A97-B2EE-5D57DF4136E8}"/>
-              </a:ext>
-              <a:ext uri="{C183D7F6-B498-43B3-948B-1728B52AA6E4}">
-                <adec:decorative xmlns:adec="http://schemas.microsoft.com/office/drawing/2017/decorative" val="1"/>
-              </a:ext>
-            </a:extLst>
-          </p:cNvPr>
-          <p:cNvSpPr>
-            <a:spLocks noGrp="1" noRot="1" noChangeAspect="1" noMove="1" noResize="1" noEditPoints="1" noAdjustHandles="1" noChangeArrowheads="1" noChangeShapeType="1" noTextEdit="1"/>
-          </p:cNvSpPr>
-          <p:nvPr>
-            <p:extLst>
-              <p:ext uri="{386F3935-93C4-4BCD-93E2-E3B085C9AB24}">
-                <p16:designElem xmlns:p16="http://schemas.microsoft.com/office/powerpoint/2015/main" val="1"/>
-              </p:ext>
-            </p:extLst>
-          </p:nvPr>
-        </p:nvSpPr>
-        <p:spPr>
-          <a:xfrm>
-            <a:off x="5176275" y="577406"/>
-            <a:ext cx="6391931" cy="5695398"/>
-          </a:xfrm>
-          <a:prstGeom prst="rect">
-            <a:avLst/>
-          </a:prstGeom>
-          <a:solidFill>
-            <a:schemeClr val="bg1">
-              <a:alpha val="75000"/>
-            </a:schemeClr>
-          </a:solidFill>
-          <a:ln>
-            <a:noFill/>
-          </a:ln>
-        </p:spPr>
-        <p:style>
-          <a:lnRef idx="2">
-            <a:schemeClr val="accent1">
-              <a:shade val="50000"/>
-            </a:schemeClr>
-          </a:lnRef>
-          <a:fillRef idx="1">
-            <a:schemeClr val="accent1"/>
-          </a:fillRef>
-          <a:effectRef idx="0">
-            <a:schemeClr val="accent1"/>
-          </a:effectRef>
-          <a:fontRef idx="minor">
-            <a:schemeClr val="lt1"/>
-          </a:fontRef>
-        </p:style>
-        <p:txBody>
-          <a:bodyPr rtlCol="0" anchor="ctr"/>
-          <a:lstStyle/>
-          <a:p>
-            <a:pPr algn="ctr"/>
-            <a:endParaRPr lang="en-US"/>
-          </a:p>
-        </p:txBody>
-      </p:sp>
-      <p:grpSp>
-        <p:nvGrpSpPr>
-          <p:cNvPr id="15" name="Group 14">
-            <a:extLst>
-              <a:ext uri="{FF2B5EF4-FFF2-40B4-BE49-F238E27FC236}">
-                <a16:creationId xmlns:a16="http://schemas.microsoft.com/office/drawing/2014/main" id="{CC277446-D71D-4C19-A013-95073D31A4FB}"/>
-              </a:ext>
-              <a:ext uri="{C183D7F6-B498-43B3-948B-1728B52AA6E4}">
-                <adec:decorative xmlns:adec="http://schemas.microsoft.com/office/drawing/2017/decorative" val="1"/>
-              </a:ext>
-            </a:extLst>
-          </p:cNvPr>
-          <p:cNvGrpSpPr>
-            <a:grpSpLocks noGrp="1" noUngrp="1" noRot="1" noChangeAspect="1" noMove="1" noResize="1"/>
-          </p:cNvGrpSpPr>
-          <p:nvPr>
-            <p:extLst>
-              <p:ext uri="{386F3935-93C4-4BCD-93E2-E3B085C9AB24}">
-                <p16:designElem xmlns:p16="http://schemas.microsoft.com/office/powerpoint/2015/main" val="1"/>
-              </p:ext>
-            </p:extLst>
-          </p:nvPr>
-        </p:nvGrpSpPr>
-        <p:grpSpPr>
-          <a:xfrm>
-            <a:off x="5166455" y="-6437"/>
-            <a:ext cx="6405880" cy="6864437"/>
-            <a:chOff x="5166455" y="-6437"/>
-            <a:chExt cx="6405880" cy="6864437"/>
-          </a:xfrm>
-        </p:grpSpPr>
-        <p:cxnSp>
-          <p:nvCxnSpPr>
-            <p:cNvPr id="16" name="Straight Connector 15">
-              <a:extLst>
-                <a:ext uri="{FF2B5EF4-FFF2-40B4-BE49-F238E27FC236}">
-                  <a16:creationId xmlns:a16="http://schemas.microsoft.com/office/drawing/2014/main" id="{4C05CF5C-D74E-48AF-AAE5-61AEFB2C77BC}"/>
-                </a:ext>
-                <a:ext uri="{C183D7F6-B498-43B3-948B-1728B52AA6E4}">
-                  <adec:decorative xmlns:adec="http://schemas.microsoft.com/office/drawing/2017/decorative" val="1"/>
-                </a:ext>
-              </a:extLst>
-            </p:cNvPr>
-            <p:cNvCxnSpPr>
-              <a:cxnSpLocks/>
-            </p:cNvCxnSpPr>
-            <p:nvPr>
-              <p:extLst>
-                <p:ext uri="{386F3935-93C4-4BCD-93E2-E3B085C9AB24}">
-                  <p16:designElem xmlns:p16="http://schemas.microsoft.com/office/powerpoint/2015/main" val="1"/>
-                </p:ext>
-              </p:extLst>
-            </p:nvPr>
-          </p:nvCxnSpPr>
-          <p:spPr>
-            <a:xfrm>
-              <a:off x="5166455" y="567246"/>
-              <a:ext cx="6400800" cy="0"/>
-            </a:xfrm>
-            <a:prstGeom prst="line">
-              <a:avLst/>
-            </a:prstGeom>
-            <a:ln w="12700">
-              <a:solidFill>
-                <a:schemeClr val="accent4"/>
-              </a:solidFill>
-            </a:ln>
-          </p:spPr>
-          <p:style>
-            <a:lnRef idx="1">
-              <a:schemeClr val="accent1"/>
-            </a:lnRef>
-            <a:fillRef idx="0">
-              <a:schemeClr val="accent1"/>
-            </a:fillRef>
-            <a:effectRef idx="0">
-              <a:schemeClr val="accent1"/>
-            </a:effectRef>
-            <a:fontRef idx="minor">
-              <a:schemeClr val="tx1"/>
-            </a:fontRef>
-          </p:style>
-        </p:cxnSp>
-        <p:cxnSp>
-          <p:nvCxnSpPr>
-            <p:cNvPr id="17" name="Straight Connector 16">
-              <a:extLst>
-                <a:ext uri="{FF2B5EF4-FFF2-40B4-BE49-F238E27FC236}">
-                  <a16:creationId xmlns:a16="http://schemas.microsoft.com/office/drawing/2014/main" id="{15A6A4E3-DB84-4A86-933F-10273F0AEE06}"/>
-                </a:ext>
-                <a:ext uri="{C183D7F6-B498-43B3-948B-1728B52AA6E4}">
-                  <adec:decorative xmlns:adec="http://schemas.microsoft.com/office/drawing/2017/decorative" val="1"/>
-                </a:ext>
-              </a:extLst>
-            </p:cNvPr>
-            <p:cNvCxnSpPr>
-              <a:cxnSpLocks/>
-            </p:cNvCxnSpPr>
-            <p:nvPr>
-              <p:extLst>
-                <p:ext uri="{386F3935-93C4-4BCD-93E2-E3B085C9AB24}">
-                  <p16:designElem xmlns:p16="http://schemas.microsoft.com/office/powerpoint/2015/main" val="1"/>
-                </p:ext>
-              </p:extLst>
-            </p:nvPr>
-          </p:nvCxnSpPr>
-          <p:spPr>
-            <a:xfrm>
-              <a:off x="5171535" y="6262643"/>
-              <a:ext cx="6400800" cy="0"/>
-            </a:xfrm>
-            <a:prstGeom prst="line">
-              <a:avLst/>
-            </a:prstGeom>
-            <a:ln w="12700">
-              <a:solidFill>
-                <a:schemeClr val="accent4"/>
-              </a:solidFill>
-            </a:ln>
-          </p:spPr>
-          <p:style>
-            <a:lnRef idx="1">
-              <a:schemeClr val="accent1"/>
-            </a:lnRef>
-            <a:fillRef idx="0">
-              <a:schemeClr val="accent1"/>
-            </a:fillRef>
-            <a:effectRef idx="0">
-              <a:schemeClr val="accent1"/>
-            </a:effectRef>
-            <a:fontRef idx="minor">
-              <a:schemeClr val="tx1"/>
-            </a:fontRef>
-          </p:style>
-        </p:cxnSp>
-        <p:cxnSp>
-          <p:nvCxnSpPr>
-            <p:cNvPr id="18" name="Straight Connector 17">
-              <a:extLst>
-                <a:ext uri="{FF2B5EF4-FFF2-40B4-BE49-F238E27FC236}">
-                  <a16:creationId xmlns:a16="http://schemas.microsoft.com/office/drawing/2014/main" id="{3057BAF9-1A72-414E-8B1A-C58B353F115A}"/>
-                </a:ext>
-                <a:ext uri="{C183D7F6-B498-43B3-948B-1728B52AA6E4}">
-                  <adec:decorative xmlns:adec="http://schemas.microsoft.com/office/drawing/2017/decorative" val="1"/>
-                </a:ext>
-              </a:extLst>
-            </p:cNvPr>
-            <p:cNvCxnSpPr>
-              <a:cxnSpLocks/>
-            </p:cNvCxnSpPr>
-            <p:nvPr>
-              <p:extLst>
-                <p:ext uri="{386F3935-93C4-4BCD-93E2-E3B085C9AB24}">
-                  <p16:designElem xmlns:p16="http://schemas.microsoft.com/office/powerpoint/2015/main" val="1"/>
-                </p:ext>
-              </p:extLst>
-            </p:nvPr>
-          </p:nvCxnSpPr>
-          <p:spPr>
-            <a:xfrm>
-              <a:off x="5171535" y="0"/>
-              <a:ext cx="5783" cy="6858000"/>
-            </a:xfrm>
-            <a:prstGeom prst="line">
-              <a:avLst/>
-            </a:prstGeom>
-            <a:ln w="12700">
-              <a:solidFill>
-                <a:schemeClr val="accent4"/>
-              </a:solidFill>
-            </a:ln>
-          </p:spPr>
-          <p:style>
-            <a:lnRef idx="1">
-              <a:schemeClr val="accent1"/>
-            </a:lnRef>
-            <a:fillRef idx="0">
-              <a:schemeClr val="accent1"/>
-            </a:fillRef>
-            <a:effectRef idx="0">
-              <a:schemeClr val="accent1"/>
-            </a:effectRef>
-            <a:fontRef idx="minor">
-              <a:schemeClr val="tx1"/>
-            </a:fontRef>
-          </p:style>
-        </p:cxnSp>
-        <p:cxnSp>
-          <p:nvCxnSpPr>
-            <p:cNvPr id="19" name="Straight Connector 18">
-              <a:extLst>
-                <a:ext uri="{FF2B5EF4-FFF2-40B4-BE49-F238E27FC236}">
-                  <a16:creationId xmlns:a16="http://schemas.microsoft.com/office/drawing/2014/main" id="{68FCD6AB-4E6B-4F74-94C0-C14654F9996F}"/>
-                </a:ext>
-                <a:ext uri="{C183D7F6-B498-43B3-948B-1728B52AA6E4}">
-                  <adec:decorative xmlns:adec="http://schemas.microsoft.com/office/drawing/2017/decorative" val="1"/>
-                </a:ext>
-              </a:extLst>
-            </p:cNvPr>
-            <p:cNvCxnSpPr>
-              <a:cxnSpLocks/>
-            </p:cNvCxnSpPr>
-            <p:nvPr>
-              <p:extLst>
-                <p:ext uri="{386F3935-93C4-4BCD-93E2-E3B085C9AB24}">
-                  <p16:designElem xmlns:p16="http://schemas.microsoft.com/office/powerpoint/2015/main" val="1"/>
-                </p:ext>
-              </p:extLst>
-            </p:nvPr>
-          </p:nvCxnSpPr>
-          <p:spPr>
-            <a:xfrm>
-              <a:off x="11560990" y="-6437"/>
-              <a:ext cx="5783" cy="6858000"/>
-            </a:xfrm>
-            <a:prstGeom prst="line">
-              <a:avLst/>
-            </a:prstGeom>
-            <a:ln w="12700">
-              <a:solidFill>
-                <a:schemeClr val="accent4"/>
-              </a:solidFill>
-            </a:ln>
-          </p:spPr>
-          <p:style>
-            <a:lnRef idx="1">
-              <a:schemeClr val="accent1"/>
-            </a:lnRef>
-            <a:fillRef idx="0">
-              <a:schemeClr val="accent1"/>
-            </a:fillRef>
-            <a:effectRef idx="0">
-              <a:schemeClr val="accent1"/>
-            </a:effectRef>
-            <a:fontRef idx="minor">
-              <a:schemeClr val="tx1"/>
-            </a:fontRef>
-          </p:style>
-        </p:cxnSp>
-      </p:grpSp>
-      <p:graphicFrame>
-        <p:nvGraphicFramePr>
-          <p:cNvPr id="5" name="Content Placeholder 2">
-            <a:extLst>
-              <a:ext uri="{FF2B5EF4-FFF2-40B4-BE49-F238E27FC236}">
-                <a16:creationId xmlns:a16="http://schemas.microsoft.com/office/drawing/2014/main" id="{ACE27A11-69A2-74B6-4339-E7F982099E9D}"/>
-              </a:ext>
-            </a:extLst>
-          </p:cNvPr>
-          <p:cNvGraphicFramePr>
-            <a:graphicFrameLocks noGrp="1"/>
-          </p:cNvGraphicFramePr>
-          <p:nvPr>
-            <p:ph idx="1"/>
-            <p:extLst>
-              <p:ext uri="{D42A27DB-BD31-4B8C-83A1-F6EECF244321}">
-                <p14:modId xmlns:p14="http://schemas.microsoft.com/office/powerpoint/2010/main" val="3543109859"/>
-              </p:ext>
-            </p:extLst>
-          </p:nvPr>
-        </p:nvGraphicFramePr>
-        <p:xfrm>
-          <a:off x="5461176" y="788282"/>
-          <a:ext cx="5826934" cy="5297192"/>
-        </p:xfrm>
-        <a:graphic>
-          <a:graphicData uri="http://schemas.openxmlformats.org/drawingml/2006/diagram">
-            <dgm:relIds xmlns:dgm="http://schemas.openxmlformats.org/drawingml/2006/diagram" xmlns:r="http://schemas.openxmlformats.org/officeDocument/2006/relationships" r:dm="rId2" r:lo="rId3" r:qs="rId4" r:cs="rId5"/>
-          </a:graphicData>
-        </a:graphic>
-      </p:graphicFrame>
-    </p:spTree>
-    <p:extLst>
-      <p:ext uri="{BB962C8B-B14F-4D97-AF65-F5344CB8AC3E}">
-        <p14:creationId xmlns:p14="http://schemas.microsoft.com/office/powerpoint/2010/main" val="2928024597"/>
-      </p:ext>
-    </p:extLst>
-  </p:cSld>
-  <p:clrMapOvr>
-    <a:masterClrMapping/>
-  </p:clrMapOvr>
-</p:sld>
-</file>
-
-<file path=ppt/slides/slide12.xml><?xml version="1.0" encoding="utf-8"?>
-<p:sld xmlns:a="http://schemas.openxmlformats.org/drawingml/2006/main" xmlns:r="http://schemas.openxmlformats.org/officeDocument/2006/relationships" xmlns:p="http://schemas.openxmlformats.org/presentationml/2006/main">
-  <p:cSld>
-    <p:bg>
-      <p:bgPr>
-        <a:solidFill>
-          <a:schemeClr val="bg1"/>
-        </a:solidFill>
-        <a:effectLst/>
-      </p:bgPr>
-    </p:bg>
-    <p:spTree>
-      <p:nvGrpSpPr>
-        <p:cNvPr id="1" name=""/>
-        <p:cNvGrpSpPr/>
-        <p:nvPr/>
-      </p:nvGrpSpPr>
-      <p:grpSpPr>
-        <a:xfrm>
-          <a:off x="0" y="0"/>
-          <a:ext cx="0" cy="0"/>
-          <a:chOff x="0" y="0"/>
-          <a:chExt cx="0" cy="0"/>
-        </a:xfrm>
-      </p:grpSpPr>
-      <p:sp>
-        <p:nvSpPr>
-          <p:cNvPr id="10" name="Rectangle 9">
+          <p:cNvPr id="49" name="Rectangle 23">
             <a:extLst>
               <a:ext uri="{FF2B5EF4-FFF2-40B4-BE49-F238E27FC236}">
                 <a16:creationId xmlns:a16="http://schemas.microsoft.com/office/drawing/2014/main" id="{2293296F-4C3A-4530-98F5-F83646ACE913}"/>
@@ -19943,7 +19413,7 @@
       </p:sp>
       <p:grpSp>
         <p:nvGrpSpPr>
-          <p:cNvPr id="12" name="Group 11">
+          <p:cNvPr id="50" name="Group 25">
             <a:extLst>
               <a:ext uri="{FF2B5EF4-FFF2-40B4-BE49-F238E27FC236}">
                 <a16:creationId xmlns:a16="http://schemas.microsoft.com/office/drawing/2014/main" id="{3914D2BD-3C47-433D-81FE-DC6C39595F0E}"/>
@@ -19974,7 +19444,7 @@
         </p:grpSpPr>
         <p:cxnSp>
           <p:nvCxnSpPr>
-            <p:cNvPr id="13" name="Straight Connector 12">
+            <p:cNvPr id="27" name="Straight Connector 26">
               <a:extLst>
                 <a:ext uri="{FF2B5EF4-FFF2-40B4-BE49-F238E27FC236}">
                   <a16:creationId xmlns:a16="http://schemas.microsoft.com/office/drawing/2014/main" id="{D3DD55E4-EA4F-4874-8B5B-6E0EAF4BBFC4}"/>
@@ -20026,7 +19496,7 @@
         </p:cxnSp>
         <p:cxnSp>
           <p:nvCxnSpPr>
-            <p:cNvPr id="14" name="Straight Connector 13">
+            <p:cNvPr id="28" name="Straight Connector 27">
               <a:extLst>
                 <a:ext uri="{FF2B5EF4-FFF2-40B4-BE49-F238E27FC236}">
                   <a16:creationId xmlns:a16="http://schemas.microsoft.com/office/drawing/2014/main" id="{32950BAF-7673-4138-AEA2-DE7D368CC357}"/>
@@ -20078,7 +19548,7 @@
         </p:cxnSp>
         <p:cxnSp>
           <p:nvCxnSpPr>
-            <p:cNvPr id="15" name="Straight Connector 14">
+            <p:cNvPr id="29" name="Straight Connector 28">
               <a:extLst>
                 <a:ext uri="{FF2B5EF4-FFF2-40B4-BE49-F238E27FC236}">
                   <a16:creationId xmlns:a16="http://schemas.microsoft.com/office/drawing/2014/main" id="{6BE3E2B5-EA1C-415A-941A-843C7EA148E1}"/>
@@ -20130,7 +19600,7 @@
         </p:cxnSp>
         <p:cxnSp>
           <p:nvCxnSpPr>
-            <p:cNvPr id="16" name="Straight Connector 15">
+            <p:cNvPr id="30" name="Straight Connector 29">
               <a:extLst>
                 <a:ext uri="{FF2B5EF4-FFF2-40B4-BE49-F238E27FC236}">
                   <a16:creationId xmlns:a16="http://schemas.microsoft.com/office/drawing/2014/main" id="{087FA3A6-E398-4576-B6B8-3328028D84B2}"/>
@@ -20182,7 +19652,7 @@
         </p:cxnSp>
         <p:sp>
           <p:nvSpPr>
-            <p:cNvPr id="17" name="Graphic 33">
+            <p:cNvPr id="51" name="Graphic 33">
               <a:extLst>
                 <a:ext uri="{FF2B5EF4-FFF2-40B4-BE49-F238E27FC236}">
                   <a16:creationId xmlns:a16="http://schemas.microsoft.com/office/drawing/2014/main" id="{EFB597D7-65E0-476A-B9EB-3AA6ED33884C}"/>
@@ -20266,7 +19736,763 @@
         </p:sp>
         <p:sp>
           <p:nvSpPr>
-            <p:cNvPr id="18" name="Graphic 33">
+            <p:cNvPr id="32" name="Graphic 33">
+              <a:extLst>
+                <a:ext uri="{FF2B5EF4-FFF2-40B4-BE49-F238E27FC236}">
+                  <a16:creationId xmlns:a16="http://schemas.microsoft.com/office/drawing/2014/main" id="{11AA060A-BE0E-4687-8F9E-0E2955D9796D}"/>
+                </a:ext>
+                <a:ext uri="{C183D7F6-B498-43B3-948B-1728B52AA6E4}">
+                  <adec:decorative xmlns:adec="http://schemas.microsoft.com/office/drawing/2017/decorative" val="1"/>
+                </a:ext>
+              </a:extLst>
+            </p:cNvPr>
+            <p:cNvSpPr/>
+            <p:nvPr>
+              <p:extLst>
+                <p:ext uri="{386F3935-93C4-4BCD-93E2-E3B085C9AB24}">
+                  <p16:designElem xmlns:p16="http://schemas.microsoft.com/office/powerpoint/2015/main" val="1"/>
+                </p:ext>
+              </p:extLst>
+            </p:nvPr>
+          </p:nvSpPr>
+          <p:spPr>
+            <a:xfrm rot="10800000">
+              <a:off x="4305089" y="6276705"/>
+              <a:ext cx="3581824" cy="581290"/>
+            </a:xfrm>
+            <a:custGeom>
+              <a:avLst/>
+              <a:gdLst>
+                <a:gd name="connsiteX0" fmla="*/ 0 w 2679858"/>
+                <a:gd name="connsiteY0" fmla="*/ 4953 h 434911"/>
+                <a:gd name="connsiteX1" fmla="*/ 1336548 w 2679858"/>
+                <a:gd name="connsiteY1" fmla="*/ 434912 h 434911"/>
+                <a:gd name="connsiteX2" fmla="*/ 2679859 w 2679858"/>
+                <a:gd name="connsiteY2" fmla="*/ 0 h 434911"/>
+              </a:gdLst>
+              <a:ahLst/>
+              <a:cxnLst>
+                <a:cxn ang="0">
+                  <a:pos x="connsiteX0" y="connsiteY0"/>
+                </a:cxn>
+                <a:cxn ang="0">
+                  <a:pos x="connsiteX1" y="connsiteY1"/>
+                </a:cxn>
+                <a:cxn ang="0">
+                  <a:pos x="connsiteX2" y="connsiteY2"/>
+                </a:cxn>
+              </a:cxnLst>
+              <a:rect l="l" t="t" r="r" b="b"/>
+              <a:pathLst>
+                <a:path w="2679858" h="434911">
+                  <a:moveTo>
+                    <a:pt x="0" y="4953"/>
+                  </a:moveTo>
+                  <a:cubicBezTo>
+                    <a:pt x="370427" y="274606"/>
+                    <a:pt x="833723" y="434912"/>
+                    <a:pt x="1336548" y="434912"/>
+                  </a:cubicBezTo>
+                  <a:cubicBezTo>
+                    <a:pt x="1842326" y="434912"/>
+                    <a:pt x="2308289" y="272701"/>
+                    <a:pt x="2679859" y="0"/>
+                  </a:cubicBezTo>
+                </a:path>
+              </a:pathLst>
+            </a:custGeom>
+            <a:noFill/>
+            <a:ln w="12700" cap="flat">
+              <a:solidFill>
+                <a:schemeClr val="accent4"/>
+              </a:solidFill>
+              <a:prstDash val="solid"/>
+              <a:miter/>
+            </a:ln>
+          </p:spPr>
+          <p:txBody>
+            <a:bodyPr rtlCol="0" anchor="ctr"/>
+            <a:lstStyle/>
+            <a:p>
+              <a:endParaRPr lang="en-US" dirty="0"/>
+            </a:p>
+          </p:txBody>
+        </p:sp>
+      </p:grpSp>
+      <p:sp useBgFill="1">
+        <p:nvSpPr>
+          <p:cNvPr id="52" name="Rectangle 33">
+            <a:extLst>
+              <a:ext uri="{FF2B5EF4-FFF2-40B4-BE49-F238E27FC236}">
+                <a16:creationId xmlns:a16="http://schemas.microsoft.com/office/drawing/2014/main" id="{51B63EEE-B5E3-42ED-90DF-2948123C7049}"/>
+              </a:ext>
+              <a:ext uri="{C183D7F6-B498-43B3-948B-1728B52AA6E4}">
+                <adec:decorative xmlns:adec="http://schemas.microsoft.com/office/drawing/2017/decorative" val="1"/>
+              </a:ext>
+            </a:extLst>
+          </p:cNvPr>
+          <p:cNvSpPr>
+            <a:spLocks noGrp="1" noRot="1" noChangeAspect="1" noMove="1" noResize="1" noEditPoints="1" noAdjustHandles="1" noChangeArrowheads="1" noChangeShapeType="1" noTextEdit="1"/>
+          </p:cNvSpPr>
+          <p:nvPr>
+            <p:extLst>
+              <p:ext uri="{386F3935-93C4-4BCD-93E2-E3B085C9AB24}">
+                <p16:designElem xmlns:p16="http://schemas.microsoft.com/office/powerpoint/2015/main" val="1"/>
+              </p:ext>
+            </p:extLst>
+          </p:nvPr>
+        </p:nvSpPr>
+        <p:spPr>
+          <a:xfrm>
+            <a:off x="-1667" y="4738"/>
+            <a:ext cx="12192000" cy="6857997"/>
+          </a:xfrm>
+          <a:prstGeom prst="rect">
+            <a:avLst/>
+          </a:prstGeom>
+          <a:ln>
+            <a:noFill/>
+          </a:ln>
+        </p:spPr>
+        <p:style>
+          <a:lnRef idx="2">
+            <a:schemeClr val="accent1">
+              <a:shade val="50000"/>
+            </a:schemeClr>
+          </a:lnRef>
+          <a:fillRef idx="1">
+            <a:schemeClr val="accent1"/>
+          </a:fillRef>
+          <a:effectRef idx="0">
+            <a:schemeClr val="accent1"/>
+          </a:effectRef>
+          <a:fontRef idx="minor">
+            <a:schemeClr val="lt1"/>
+          </a:fontRef>
+        </p:style>
+        <p:txBody>
+          <a:bodyPr rtlCol="0" anchor="ctr"/>
+          <a:lstStyle/>
+          <a:p>
+            <a:pPr algn="ctr"/>
+            <a:endParaRPr lang="en-US" dirty="0"/>
+          </a:p>
+        </p:txBody>
+      </p:sp>
+      <p:sp>
+        <p:nvSpPr>
+          <p:cNvPr id="36" name="Rectangle 35">
+            <a:extLst>
+              <a:ext uri="{FF2B5EF4-FFF2-40B4-BE49-F238E27FC236}">
+                <a16:creationId xmlns:a16="http://schemas.microsoft.com/office/drawing/2014/main" id="{00DC7BE8-B819-4865-ACAD-6EE9C972122D}"/>
+              </a:ext>
+              <a:ext uri="{C183D7F6-B498-43B3-948B-1728B52AA6E4}">
+                <adec:decorative xmlns:adec="http://schemas.microsoft.com/office/drawing/2017/decorative" val="1"/>
+              </a:ext>
+            </a:extLst>
+          </p:cNvPr>
+          <p:cNvSpPr>
+            <a:spLocks noGrp="1" noRot="1" noChangeAspect="1" noMove="1" noResize="1" noEditPoints="1" noAdjustHandles="1" noChangeArrowheads="1" noChangeShapeType="1" noTextEdit="1"/>
+          </p:cNvSpPr>
+          <p:nvPr>
+            <p:extLst>
+              <p:ext uri="{386F3935-93C4-4BCD-93E2-E3B085C9AB24}">
+                <p16:designElem xmlns:p16="http://schemas.microsoft.com/office/powerpoint/2015/main" val="1"/>
+              </p:ext>
+            </p:extLst>
+          </p:nvPr>
+        </p:nvSpPr>
+        <p:spPr>
+          <a:xfrm>
+            <a:off x="0" y="0"/>
+            <a:ext cx="12192000" cy="6857997"/>
+          </a:xfrm>
+          <a:prstGeom prst="rect">
+            <a:avLst/>
+          </a:prstGeom>
+          <a:solidFill>
+            <a:schemeClr val="bg2">
+              <a:lumMod val="60000"/>
+              <a:lumOff val="40000"/>
+            </a:schemeClr>
+          </a:solidFill>
+          <a:ln>
+            <a:noFill/>
+          </a:ln>
+        </p:spPr>
+        <p:style>
+          <a:lnRef idx="2">
+            <a:schemeClr val="accent1">
+              <a:shade val="50000"/>
+            </a:schemeClr>
+          </a:lnRef>
+          <a:fillRef idx="1">
+            <a:schemeClr val="accent1"/>
+          </a:fillRef>
+          <a:effectRef idx="0">
+            <a:schemeClr val="accent1"/>
+          </a:effectRef>
+          <a:fontRef idx="minor">
+            <a:schemeClr val="lt1"/>
+          </a:fontRef>
+        </p:style>
+        <p:txBody>
+          <a:bodyPr rtlCol="0" anchor="ctr"/>
+          <a:lstStyle/>
+          <a:p>
+            <a:pPr algn="ctr"/>
+            <a:endParaRPr lang="en-US" dirty="0"/>
+          </a:p>
+        </p:txBody>
+      </p:sp>
+      <p:cxnSp>
+        <p:nvCxnSpPr>
+          <p:cNvPr id="38" name="Straight Connector 37">
+            <a:extLst>
+              <a:ext uri="{FF2B5EF4-FFF2-40B4-BE49-F238E27FC236}">
+                <a16:creationId xmlns:a16="http://schemas.microsoft.com/office/drawing/2014/main" id="{8819CDFD-2FDC-46EE-9A4C-57D5B40EA847}"/>
+              </a:ext>
+              <a:ext uri="{C183D7F6-B498-43B3-948B-1728B52AA6E4}">
+                <adec:decorative xmlns:adec="http://schemas.microsoft.com/office/drawing/2017/decorative" val="1"/>
+              </a:ext>
+            </a:extLst>
+          </p:cNvPr>
+          <p:cNvCxnSpPr>
+            <a:cxnSpLocks noGrp="1" noRot="1" noChangeAspect="1" noMove="1" noResize="1" noEditPoints="1" noAdjustHandles="1" noChangeArrowheads="1" noChangeShapeType="1"/>
+          </p:cNvCxnSpPr>
+          <p:nvPr>
+            <p:extLst>
+              <p:ext uri="{386F3935-93C4-4BCD-93E2-E3B085C9AB24}">
+                <p16:designElem xmlns:p16="http://schemas.microsoft.com/office/powerpoint/2015/main" val="1"/>
+              </p:ext>
+            </p:extLst>
+          </p:nvPr>
+        </p:nvCxnSpPr>
+        <p:spPr>
+          <a:xfrm rot="16200000">
+            <a:off x="8132657" y="3424306"/>
+            <a:ext cx="6857912" cy="0"/>
+          </a:xfrm>
+          <a:prstGeom prst="line">
+            <a:avLst/>
+          </a:prstGeom>
+          <a:ln w="12700">
+            <a:solidFill>
+              <a:schemeClr val="accent4"/>
+            </a:solidFill>
+          </a:ln>
+        </p:spPr>
+        <p:style>
+          <a:lnRef idx="1">
+            <a:schemeClr val="accent1"/>
+          </a:lnRef>
+          <a:fillRef idx="0">
+            <a:schemeClr val="accent1"/>
+          </a:fillRef>
+          <a:effectRef idx="0">
+            <a:schemeClr val="accent1"/>
+          </a:effectRef>
+          <a:fontRef idx="minor">
+            <a:schemeClr val="tx1"/>
+          </a:fontRef>
+        </p:style>
+      </p:cxnSp>
+      <p:sp>
+        <p:nvSpPr>
+          <p:cNvPr id="2" name="Title 1">
+            <a:extLst>
+              <a:ext uri="{FF2B5EF4-FFF2-40B4-BE49-F238E27FC236}">
+                <a16:creationId xmlns:a16="http://schemas.microsoft.com/office/drawing/2014/main" id="{0ABD71A8-0A7C-B494-B228-8F201A6C0C85}"/>
+              </a:ext>
+            </a:extLst>
+          </p:cNvPr>
+          <p:cNvSpPr>
+            <a:spLocks noGrp="1"/>
+          </p:cNvSpPr>
+          <p:nvPr>
+            <p:ph type="title"/>
+          </p:nvPr>
+        </p:nvSpPr>
+        <p:spPr>
+          <a:xfrm>
+            <a:off x="838201" y="581265"/>
+            <a:ext cx="4114800" cy="5695398"/>
+          </a:xfrm>
+        </p:spPr>
+        <p:txBody>
+          <a:bodyPr anchor="ctr">
+            <a:normAutofit/>
+          </a:bodyPr>
+          <a:lstStyle/>
+          <a:p>
+            <a:r>
+              <a:rPr lang="en-US" sz="5200"/>
+              <a:t>Future work</a:t>
+            </a:r>
+          </a:p>
+        </p:txBody>
+      </p:sp>
+      <p:graphicFrame>
+        <p:nvGraphicFramePr>
+          <p:cNvPr id="5" name="Content Placeholder 2">
+            <a:extLst>
+              <a:ext uri="{FF2B5EF4-FFF2-40B4-BE49-F238E27FC236}">
+                <a16:creationId xmlns:a16="http://schemas.microsoft.com/office/drawing/2014/main" id="{ACE27A11-69A2-74B6-4339-E7F982099E9D}"/>
+              </a:ext>
+            </a:extLst>
+          </p:cNvPr>
+          <p:cNvGraphicFramePr>
+            <a:graphicFrameLocks noGrp="1"/>
+          </p:cNvGraphicFramePr>
+          <p:nvPr>
+            <p:ph idx="1"/>
+            <p:extLst>
+              <p:ext uri="{D42A27DB-BD31-4B8C-83A1-F6EECF244321}">
+                <p14:modId xmlns:p14="http://schemas.microsoft.com/office/powerpoint/2010/main" val="1287083073"/>
+              </p:ext>
+            </p:extLst>
+          </p:nvPr>
+        </p:nvGraphicFramePr>
+        <p:xfrm>
+          <a:off x="5461176" y="788282"/>
+          <a:ext cx="5826934" cy="5297192"/>
+        </p:xfrm>
+        <a:graphic>
+          <a:graphicData uri="http://schemas.openxmlformats.org/drawingml/2006/diagram">
+            <dgm:relIds xmlns:dgm="http://schemas.openxmlformats.org/drawingml/2006/diagram" xmlns:r="http://schemas.openxmlformats.org/officeDocument/2006/relationships" r:dm="rId2" r:lo="rId3" r:qs="rId4" r:cs="rId5"/>
+          </a:graphicData>
+        </a:graphic>
+      </p:graphicFrame>
+    </p:spTree>
+    <p:extLst>
+      <p:ext uri="{BB962C8B-B14F-4D97-AF65-F5344CB8AC3E}">
+        <p14:creationId xmlns:p14="http://schemas.microsoft.com/office/powerpoint/2010/main" val="2928024597"/>
+      </p:ext>
+    </p:extLst>
+  </p:cSld>
+  <p:clrMapOvr>
+    <a:masterClrMapping/>
+  </p:clrMapOvr>
+</p:sld>
+</file>
+
+<file path=ppt/slides/slide12.xml><?xml version="1.0" encoding="utf-8"?>
+<p:sld xmlns:a="http://schemas.openxmlformats.org/drawingml/2006/main" xmlns:r="http://schemas.openxmlformats.org/officeDocument/2006/relationships" xmlns:p="http://schemas.openxmlformats.org/presentationml/2006/main">
+  <p:cSld>
+    <p:bg>
+      <p:bgPr>
+        <a:solidFill>
+          <a:schemeClr val="bg1"/>
+        </a:solidFill>
+        <a:effectLst/>
+      </p:bgPr>
+    </p:bg>
+    <p:spTree>
+      <p:nvGrpSpPr>
+        <p:cNvPr id="1" name=""/>
+        <p:cNvGrpSpPr/>
+        <p:nvPr/>
+      </p:nvGrpSpPr>
+      <p:grpSpPr>
+        <a:xfrm>
+          <a:off x="0" y="0"/>
+          <a:ext cx="0" cy="0"/>
+          <a:chOff x="0" y="0"/>
+          <a:chExt cx="0" cy="0"/>
+        </a:xfrm>
+      </p:grpSpPr>
+      <p:sp>
+        <p:nvSpPr>
+          <p:cNvPr id="35" name="Rectangle 34">
+            <a:extLst>
+              <a:ext uri="{FF2B5EF4-FFF2-40B4-BE49-F238E27FC236}">
+                <a16:creationId xmlns:a16="http://schemas.microsoft.com/office/drawing/2014/main" id="{2293296F-4C3A-4530-98F5-F83646ACE913}"/>
+              </a:ext>
+              <a:ext uri="{C183D7F6-B498-43B3-948B-1728B52AA6E4}">
+                <adec:decorative xmlns:adec="http://schemas.microsoft.com/office/drawing/2017/decorative" val="1"/>
+              </a:ext>
+            </a:extLst>
+          </p:cNvPr>
+          <p:cNvSpPr>
+            <a:spLocks noGrp="1" noRot="1" noChangeAspect="1" noMove="1" noResize="1" noEditPoints="1" noAdjustHandles="1" noChangeArrowheads="1" noChangeShapeType="1" noTextEdit="1"/>
+          </p:cNvSpPr>
+          <p:nvPr>
+            <p:extLst>
+              <p:ext uri="{386F3935-93C4-4BCD-93E2-E3B085C9AB24}">
+                <p16:designElem xmlns:p16="http://schemas.microsoft.com/office/powerpoint/2015/main" val="1"/>
+              </p:ext>
+            </p:extLst>
+          </p:nvPr>
+        </p:nvSpPr>
+        <p:spPr>
+          <a:xfrm>
+            <a:off x="2189" y="0"/>
+            <a:ext cx="12192000" cy="6857997"/>
+          </a:xfrm>
+          <a:prstGeom prst="rect">
+            <a:avLst/>
+          </a:prstGeom>
+          <a:solidFill>
+            <a:schemeClr val="bg2">
+              <a:lumMod val="60000"/>
+              <a:lumOff val="40000"/>
+            </a:schemeClr>
+          </a:solidFill>
+          <a:ln>
+            <a:noFill/>
+          </a:ln>
+        </p:spPr>
+        <p:style>
+          <a:lnRef idx="2">
+            <a:schemeClr val="accent1">
+              <a:shade val="50000"/>
+            </a:schemeClr>
+          </a:lnRef>
+          <a:fillRef idx="1">
+            <a:schemeClr val="accent1"/>
+          </a:fillRef>
+          <a:effectRef idx="0">
+            <a:schemeClr val="accent1"/>
+          </a:effectRef>
+          <a:fontRef idx="minor">
+            <a:schemeClr val="lt1"/>
+          </a:fontRef>
+        </p:style>
+        <p:txBody>
+          <a:bodyPr rtlCol="0" anchor="ctr"/>
+          <a:lstStyle/>
+          <a:p>
+            <a:pPr algn="ctr"/>
+            <a:endParaRPr lang="en-US" dirty="0"/>
+          </a:p>
+        </p:txBody>
+      </p:sp>
+      <p:grpSp>
+        <p:nvGrpSpPr>
+          <p:cNvPr id="37" name="Group 36">
+            <a:extLst>
+              <a:ext uri="{FF2B5EF4-FFF2-40B4-BE49-F238E27FC236}">
+                <a16:creationId xmlns:a16="http://schemas.microsoft.com/office/drawing/2014/main" id="{3914D2BD-3C47-433D-81FE-DC6C39595F0E}"/>
+              </a:ext>
+              <a:ext uri="{C183D7F6-B498-43B3-948B-1728B52AA6E4}">
+                <adec:decorative xmlns:adec="http://schemas.microsoft.com/office/drawing/2017/decorative" val="1"/>
+              </a:ext>
+            </a:extLst>
+          </p:cNvPr>
+          <p:cNvGrpSpPr>
+            <a:grpSpLocks noGrp="1" noUngrp="1" noRot="1" noChangeAspect="1" noMove="1" noResize="1"/>
+          </p:cNvGrpSpPr>
+          <p:nvPr>
+            <p:extLst>
+              <p:ext uri="{386F3935-93C4-4BCD-93E2-E3B085C9AB24}">
+                <p16:designElem xmlns:p16="http://schemas.microsoft.com/office/powerpoint/2015/main" val="1"/>
+              </p:ext>
+            </p:extLst>
+          </p:nvPr>
+        </p:nvGrpSpPr>
+        <p:grpSpPr>
+          <a:xfrm>
+            <a:off x="572" y="-1"/>
+            <a:ext cx="12192000" cy="6857996"/>
+            <a:chOff x="572" y="-1"/>
+            <a:chExt cx="12192000" cy="6857996"/>
+          </a:xfrm>
+        </p:grpSpPr>
+        <p:cxnSp>
+          <p:nvCxnSpPr>
+            <p:cNvPr id="38" name="Straight Connector 37">
+              <a:extLst>
+                <a:ext uri="{FF2B5EF4-FFF2-40B4-BE49-F238E27FC236}">
+                  <a16:creationId xmlns:a16="http://schemas.microsoft.com/office/drawing/2014/main" id="{D3DD55E4-EA4F-4874-8B5B-6E0EAF4BBFC4}"/>
+                </a:ext>
+                <a:ext uri="{C183D7F6-B498-43B3-948B-1728B52AA6E4}">
+                  <adec:decorative xmlns:adec="http://schemas.microsoft.com/office/drawing/2017/decorative" val="1"/>
+                </a:ext>
+              </a:extLst>
+            </p:cNvPr>
+            <p:cNvCxnSpPr>
+              <a:cxnSpLocks/>
+            </p:cNvCxnSpPr>
+            <p:nvPr>
+              <p:extLst>
+                <p:ext uri="{386F3935-93C4-4BCD-93E2-E3B085C9AB24}">
+                  <p16:designElem xmlns:p16="http://schemas.microsoft.com/office/powerpoint/2015/main" val="1"/>
+                </p:ext>
+              </p:extLst>
+            </p:nvPr>
+          </p:nvCxnSpPr>
+          <p:spPr>
+            <a:xfrm>
+              <a:off x="1667" y="6276706"/>
+              <a:ext cx="12189811" cy="0"/>
+            </a:xfrm>
+            <a:prstGeom prst="line">
+              <a:avLst/>
+            </a:prstGeom>
+            <a:ln w="12700">
+              <a:solidFill>
+                <a:schemeClr val="accent4"/>
+              </a:solidFill>
+            </a:ln>
+          </p:spPr>
+          <p:style>
+            <a:lnRef idx="1">
+              <a:schemeClr val="accent1"/>
+            </a:lnRef>
+            <a:fillRef idx="0">
+              <a:schemeClr val="accent1"/>
+            </a:fillRef>
+            <a:effectRef idx="0">
+              <a:schemeClr val="accent1"/>
+            </a:effectRef>
+            <a:fontRef idx="minor">
+              <a:schemeClr val="tx1"/>
+            </a:fontRef>
+          </p:style>
+        </p:cxnSp>
+        <p:cxnSp>
+          <p:nvCxnSpPr>
+            <p:cNvPr id="39" name="Straight Connector 38">
+              <a:extLst>
+                <a:ext uri="{FF2B5EF4-FFF2-40B4-BE49-F238E27FC236}">
+                  <a16:creationId xmlns:a16="http://schemas.microsoft.com/office/drawing/2014/main" id="{32950BAF-7673-4138-AEA2-DE7D368CC357}"/>
+                </a:ext>
+                <a:ext uri="{C183D7F6-B498-43B3-948B-1728B52AA6E4}">
+                  <adec:decorative xmlns:adec="http://schemas.microsoft.com/office/drawing/2017/decorative" val="1"/>
+                </a:ext>
+              </a:extLst>
+            </p:cNvPr>
+            <p:cNvCxnSpPr>
+              <a:cxnSpLocks/>
+            </p:cNvCxnSpPr>
+            <p:nvPr>
+              <p:extLst>
+                <p:ext uri="{386F3935-93C4-4BCD-93E2-E3B085C9AB24}">
+                  <p16:designElem xmlns:p16="http://schemas.microsoft.com/office/powerpoint/2015/main" val="1"/>
+                </p:ext>
+              </p:extLst>
+            </p:nvPr>
+          </p:nvCxnSpPr>
+          <p:spPr>
+            <a:xfrm>
+              <a:off x="572" y="580876"/>
+              <a:ext cx="12192000" cy="0"/>
+            </a:xfrm>
+            <a:prstGeom prst="line">
+              <a:avLst/>
+            </a:prstGeom>
+            <a:ln w="12700">
+              <a:solidFill>
+                <a:schemeClr val="accent4"/>
+              </a:solidFill>
+            </a:ln>
+          </p:spPr>
+          <p:style>
+            <a:lnRef idx="1">
+              <a:schemeClr val="accent1"/>
+            </a:lnRef>
+            <a:fillRef idx="0">
+              <a:schemeClr val="accent1"/>
+            </a:fillRef>
+            <a:effectRef idx="0">
+              <a:schemeClr val="accent1"/>
+            </a:effectRef>
+            <a:fontRef idx="minor">
+              <a:schemeClr val="tx1"/>
+            </a:fontRef>
+          </p:style>
+        </p:cxnSp>
+        <p:cxnSp>
+          <p:nvCxnSpPr>
+            <p:cNvPr id="40" name="Straight Connector 39">
+              <a:extLst>
+                <a:ext uri="{FF2B5EF4-FFF2-40B4-BE49-F238E27FC236}">
+                  <a16:creationId xmlns:a16="http://schemas.microsoft.com/office/drawing/2014/main" id="{6BE3E2B5-EA1C-415A-941A-843C7EA148E1}"/>
+                </a:ext>
+                <a:ext uri="{C183D7F6-B498-43B3-948B-1728B52AA6E4}">
+                  <adec:decorative xmlns:adec="http://schemas.microsoft.com/office/drawing/2017/decorative" val="1"/>
+                </a:ext>
+              </a:extLst>
+            </p:cNvPr>
+            <p:cNvCxnSpPr>
+              <a:cxnSpLocks/>
+            </p:cNvCxnSpPr>
+            <p:nvPr>
+              <p:extLst>
+                <p:ext uri="{386F3935-93C4-4BCD-93E2-E3B085C9AB24}">
+                  <p16:designElem xmlns:p16="http://schemas.microsoft.com/office/powerpoint/2015/main" val="1"/>
+                </p:ext>
+              </p:extLst>
+            </p:nvPr>
+          </p:nvCxnSpPr>
+          <p:spPr>
+            <a:xfrm rot="16200000">
+              <a:off x="8134324" y="3428956"/>
+              <a:ext cx="6857912" cy="0"/>
+            </a:xfrm>
+            <a:prstGeom prst="line">
+              <a:avLst/>
+            </a:prstGeom>
+            <a:ln w="12700">
+              <a:solidFill>
+                <a:schemeClr val="accent4"/>
+              </a:solidFill>
+            </a:ln>
+          </p:spPr>
+          <p:style>
+            <a:lnRef idx="1">
+              <a:schemeClr val="accent1"/>
+            </a:lnRef>
+            <a:fillRef idx="0">
+              <a:schemeClr val="accent1"/>
+            </a:fillRef>
+            <a:effectRef idx="0">
+              <a:schemeClr val="accent1"/>
+            </a:effectRef>
+            <a:fontRef idx="minor">
+              <a:schemeClr val="tx1"/>
+            </a:fontRef>
+          </p:style>
+        </p:cxnSp>
+        <p:cxnSp>
+          <p:nvCxnSpPr>
+            <p:cNvPr id="41" name="Straight Connector 40">
+              <a:extLst>
+                <a:ext uri="{FF2B5EF4-FFF2-40B4-BE49-F238E27FC236}">
+                  <a16:creationId xmlns:a16="http://schemas.microsoft.com/office/drawing/2014/main" id="{087FA3A6-E398-4576-B6B8-3328028D84B2}"/>
+                </a:ext>
+                <a:ext uri="{C183D7F6-B498-43B3-948B-1728B52AA6E4}">
+                  <adec:decorative xmlns:adec="http://schemas.microsoft.com/office/drawing/2017/decorative" val="1"/>
+                </a:ext>
+              </a:extLst>
+            </p:cNvPr>
+            <p:cNvCxnSpPr>
+              <a:cxnSpLocks/>
+            </p:cNvCxnSpPr>
+            <p:nvPr>
+              <p:extLst>
+                <p:ext uri="{386F3935-93C4-4BCD-93E2-E3B085C9AB24}">
+                  <p16:designElem xmlns:p16="http://schemas.microsoft.com/office/powerpoint/2015/main" val="1"/>
+                </p:ext>
+              </p:extLst>
+            </p:nvPr>
+          </p:nvCxnSpPr>
+          <p:spPr>
+            <a:xfrm rot="16200000">
+              <a:off x="-2794261" y="3428956"/>
+              <a:ext cx="6857912" cy="0"/>
+            </a:xfrm>
+            <a:prstGeom prst="line">
+              <a:avLst/>
+            </a:prstGeom>
+            <a:ln w="12700">
+              <a:solidFill>
+                <a:schemeClr val="accent4"/>
+              </a:solidFill>
+            </a:ln>
+          </p:spPr>
+          <p:style>
+            <a:lnRef idx="1">
+              <a:schemeClr val="accent1"/>
+            </a:lnRef>
+            <a:fillRef idx="0">
+              <a:schemeClr val="accent1"/>
+            </a:fillRef>
+            <a:effectRef idx="0">
+              <a:schemeClr val="accent1"/>
+            </a:effectRef>
+            <a:fontRef idx="minor">
+              <a:schemeClr val="tx1"/>
+            </a:fontRef>
+          </p:style>
+        </p:cxnSp>
+        <p:sp>
+          <p:nvSpPr>
+            <p:cNvPr id="42" name="Graphic 33">
+              <a:extLst>
+                <a:ext uri="{FF2B5EF4-FFF2-40B4-BE49-F238E27FC236}">
+                  <a16:creationId xmlns:a16="http://schemas.microsoft.com/office/drawing/2014/main" id="{EFB597D7-65E0-476A-B9EB-3AA6ED33884C}"/>
+                </a:ext>
+                <a:ext uri="{C183D7F6-B498-43B3-948B-1728B52AA6E4}">
+                  <adec:decorative xmlns:adec="http://schemas.microsoft.com/office/drawing/2017/decorative" val="1"/>
+                </a:ext>
+              </a:extLst>
+            </p:cNvPr>
+            <p:cNvSpPr/>
+            <p:nvPr>
+              <p:extLst>
+                <p:ext uri="{386F3935-93C4-4BCD-93E2-E3B085C9AB24}">
+                  <p16:designElem xmlns:p16="http://schemas.microsoft.com/office/powerpoint/2015/main" val="1"/>
+                </p:ext>
+              </p:extLst>
+            </p:nvPr>
+          </p:nvSpPr>
+          <p:spPr>
+            <a:xfrm>
+              <a:off x="4277016" y="-1"/>
+              <a:ext cx="3637968" cy="580875"/>
+            </a:xfrm>
+            <a:custGeom>
+              <a:avLst/>
+              <a:gdLst>
+                <a:gd name="connsiteX0" fmla="*/ 0 w 2679858"/>
+                <a:gd name="connsiteY0" fmla="*/ 4953 h 434911"/>
+                <a:gd name="connsiteX1" fmla="*/ 1336548 w 2679858"/>
+                <a:gd name="connsiteY1" fmla="*/ 434912 h 434911"/>
+                <a:gd name="connsiteX2" fmla="*/ 2679859 w 2679858"/>
+                <a:gd name="connsiteY2" fmla="*/ 0 h 434911"/>
+              </a:gdLst>
+              <a:ahLst/>
+              <a:cxnLst>
+                <a:cxn ang="0">
+                  <a:pos x="connsiteX0" y="connsiteY0"/>
+                </a:cxn>
+                <a:cxn ang="0">
+                  <a:pos x="connsiteX1" y="connsiteY1"/>
+                </a:cxn>
+                <a:cxn ang="0">
+                  <a:pos x="connsiteX2" y="connsiteY2"/>
+                </a:cxn>
+              </a:cxnLst>
+              <a:rect l="l" t="t" r="r" b="b"/>
+              <a:pathLst>
+                <a:path w="2679858" h="434911">
+                  <a:moveTo>
+                    <a:pt x="0" y="4953"/>
+                  </a:moveTo>
+                  <a:cubicBezTo>
+                    <a:pt x="370427" y="274606"/>
+                    <a:pt x="833723" y="434912"/>
+                    <a:pt x="1336548" y="434912"/>
+                  </a:cubicBezTo>
+                  <a:cubicBezTo>
+                    <a:pt x="1842326" y="434912"/>
+                    <a:pt x="2308289" y="272701"/>
+                    <a:pt x="2679859" y="0"/>
+                  </a:cubicBezTo>
+                </a:path>
+              </a:pathLst>
+            </a:custGeom>
+            <a:noFill/>
+            <a:ln w="12700" cap="flat">
+              <a:solidFill>
+                <a:schemeClr val="accent4"/>
+              </a:solidFill>
+              <a:prstDash val="solid"/>
+              <a:miter/>
+            </a:ln>
+          </p:spPr>
+          <p:txBody>
+            <a:bodyPr rtlCol="0" anchor="ctr"/>
+            <a:lstStyle/>
+            <a:p>
+              <a:endParaRPr lang="en-US" dirty="0"/>
+            </a:p>
+          </p:txBody>
+        </p:sp>
+        <p:sp>
+          <p:nvSpPr>
+            <p:cNvPr id="43" name="Graphic 33">
               <a:extLst>
                 <a:ext uri="{FF2B5EF4-FFF2-40B4-BE49-F238E27FC236}">
                   <a16:creationId xmlns:a16="http://schemas.microsoft.com/office/drawing/2014/main" id="{11AA060A-BE0E-4687-8F9E-0E2955D9796D}"/>
@@ -20351,7 +20577,7 @@
       </p:grpSp>
       <p:sp>
         <p:nvSpPr>
-          <p:cNvPr id="20" name="Rectangle 19">
+          <p:cNvPr id="45" name="Rectangle 44">
             <a:extLst>
               <a:ext uri="{FF2B5EF4-FFF2-40B4-BE49-F238E27FC236}">
                 <a16:creationId xmlns:a16="http://schemas.microsoft.com/office/drawing/2014/main" id="{916F6374-2300-41FF-BA7E-22FADCD95D3B}"/>
@@ -20414,7 +20640,7 @@
       </p:sp>
       <p:sp>
         <p:nvSpPr>
-          <p:cNvPr id="22" name="Rectangle 21">
+          <p:cNvPr id="47" name="Rectangle 46">
             <a:extLst>
               <a:ext uri="{FF2B5EF4-FFF2-40B4-BE49-F238E27FC236}">
                 <a16:creationId xmlns:a16="http://schemas.microsoft.com/office/drawing/2014/main" id="{90864D9E-0A0C-482E-86DE-9C4E729C38D7}"/>
@@ -20474,7 +20700,7 @@
           <a:lstStyle/>
           <a:p>
             <a:pPr algn="ctr"/>
-            <a:endParaRPr lang="en-US"/>
+            <a:endParaRPr lang="en-US" dirty="0"/>
           </a:p>
         </p:txBody>
       </p:sp>
@@ -20496,8 +20722,8 @@
         </p:nvSpPr>
         <p:spPr>
           <a:xfrm>
-            <a:off x="847725" y="1122363"/>
-            <a:ext cx="5248275" cy="2387600"/>
+            <a:off x="847726" y="579694"/>
+            <a:ext cx="3910046" cy="2930269"/>
           </a:xfrm>
         </p:spPr>
         <p:txBody>
@@ -20515,10 +20741,10 @@
       </p:sp>
       <p:grpSp>
         <p:nvGrpSpPr>
-          <p:cNvPr id="24" name="Group 23">
+          <p:cNvPr id="49" name="Group 48">
             <a:extLst>
               <a:ext uri="{FF2B5EF4-FFF2-40B4-BE49-F238E27FC236}">
-                <a16:creationId xmlns:a16="http://schemas.microsoft.com/office/drawing/2014/main" id="{E2877465-4E5B-42CA-83C4-62F511F13963}"/>
+                <a16:creationId xmlns:a16="http://schemas.microsoft.com/office/drawing/2014/main" id="{3E247A8E-84A7-4C10-A5E3-19A4C5234140}"/>
               </a:ext>
               <a:ext uri="{C183D7F6-B498-43B3-948B-1728B52AA6E4}">
                 <adec:decorative xmlns:adec="http://schemas.microsoft.com/office/drawing/2017/decorative" val="1"/>
@@ -20538,18 +20764,18 @@
         </p:nvGrpSpPr>
         <p:grpSpPr>
           <a:xfrm>
-            <a:off x="7433816" y="-6437"/>
-            <a:ext cx="4133500" cy="6864437"/>
-            <a:chOff x="7433816" y="-6437"/>
-            <a:chExt cx="4133500" cy="6864437"/>
+            <a:off x="5171535" y="-6437"/>
+            <a:ext cx="6400800" cy="6864437"/>
+            <a:chOff x="5171535" y="-6437"/>
+            <a:chExt cx="6400800" cy="6864437"/>
           </a:xfrm>
         </p:grpSpPr>
         <p:cxnSp>
           <p:nvCxnSpPr>
-            <p:cNvPr id="25" name="Straight Connector 24">
+            <p:cNvPr id="50" name="Straight Connector 49">
               <a:extLst>
                 <a:ext uri="{FF2B5EF4-FFF2-40B4-BE49-F238E27FC236}">
-                  <a16:creationId xmlns:a16="http://schemas.microsoft.com/office/drawing/2014/main" id="{29F5E907-7127-4935-95AE-94C3D5EF403C}"/>
+                  <a16:creationId xmlns:a16="http://schemas.microsoft.com/office/drawing/2014/main" id="{D01E67E4-6B86-40A6-A391-AAE91E410A85}"/>
                 </a:ext>
                 <a:ext uri="{C183D7F6-B498-43B3-948B-1728B52AA6E4}">
                   <adec:decorative xmlns:adec="http://schemas.microsoft.com/office/drawing/2017/decorative" val="1"/>
@@ -20568,9 +20794,9 @@
             </p:nvPr>
           </p:nvCxnSpPr>
           <p:spPr>
-            <a:xfrm>
-              <a:off x="7434228" y="3389697"/>
-              <a:ext cx="4133088" cy="0"/>
+            <a:xfrm flipV="1">
+              <a:off x="8340813" y="5761025"/>
+              <a:ext cx="0" cy="507813"/>
             </a:xfrm>
             <a:prstGeom prst="line">
               <a:avLst/>
@@ -20598,10 +20824,10 @@
         </p:cxnSp>
         <p:cxnSp>
           <p:nvCxnSpPr>
-            <p:cNvPr id="26" name="Straight Connector 25">
+            <p:cNvPr id="67" name="Straight Connector 50">
               <a:extLst>
                 <a:ext uri="{FF2B5EF4-FFF2-40B4-BE49-F238E27FC236}">
-                  <a16:creationId xmlns:a16="http://schemas.microsoft.com/office/drawing/2014/main" id="{658C3964-BF34-4211-835A-24B827B779B9}"/>
+                  <a16:creationId xmlns:a16="http://schemas.microsoft.com/office/drawing/2014/main" id="{F7785565-8AC8-4BDE-A928-0CF99C2CC0F5}"/>
                 </a:ext>
                 <a:ext uri="{C183D7F6-B498-43B3-948B-1728B52AA6E4}">
                   <adec:decorative xmlns:adec="http://schemas.microsoft.com/office/drawing/2017/decorative" val="1"/>
@@ -20620,9 +20846,9 @@
             </p:nvPr>
           </p:nvCxnSpPr>
           <p:spPr>
-            <a:xfrm>
-              <a:off x="7434228" y="581337"/>
-              <a:ext cx="4133088" cy="0"/>
+            <a:xfrm flipV="1">
+              <a:off x="8340813" y="579694"/>
+              <a:ext cx="0" cy="445068"/>
             </a:xfrm>
             <a:prstGeom prst="line">
               <a:avLst/>
@@ -20650,10 +20876,10 @@
         </p:cxnSp>
         <p:cxnSp>
           <p:nvCxnSpPr>
-            <p:cNvPr id="27" name="Straight Connector 26">
+            <p:cNvPr id="52" name="Straight Connector 51">
               <a:extLst>
                 <a:ext uri="{FF2B5EF4-FFF2-40B4-BE49-F238E27FC236}">
-                  <a16:creationId xmlns:a16="http://schemas.microsoft.com/office/drawing/2014/main" id="{4C498194-83A5-4CCE-AA0B-12C3FE68EED5}"/>
+                  <a16:creationId xmlns:a16="http://schemas.microsoft.com/office/drawing/2014/main" id="{5B800634-C48C-4DEC-ADE0-9DBD3892FF5C}"/>
                 </a:ext>
                 <a:ext uri="{C183D7F6-B498-43B3-948B-1728B52AA6E4}">
                   <adec:decorative xmlns:adec="http://schemas.microsoft.com/office/drawing/2017/decorative" val="1"/>
@@ -20673,231 +20899,7 @@
           </p:nvCxnSpPr>
           <p:spPr>
             <a:xfrm>
-              <a:off x="7434228" y="6276734"/>
-              <a:ext cx="4133088" cy="0"/>
-            </a:xfrm>
-            <a:prstGeom prst="line">
-              <a:avLst/>
-            </a:prstGeom>
-            <a:ln w="12700">
-              <a:solidFill>
-                <a:schemeClr val="accent4"/>
-              </a:solidFill>
-            </a:ln>
-          </p:spPr>
-          <p:style>
-            <a:lnRef idx="1">
-              <a:schemeClr val="accent1"/>
-            </a:lnRef>
-            <a:fillRef idx="0">
-              <a:schemeClr val="accent1"/>
-            </a:fillRef>
-            <a:effectRef idx="0">
-              <a:schemeClr val="accent1"/>
-            </a:effectRef>
-            <a:fontRef idx="minor">
-              <a:schemeClr val="tx1"/>
-            </a:fontRef>
-          </p:style>
-        </p:cxnSp>
-        <p:sp>
-          <p:nvSpPr>
-            <p:cNvPr id="28" name="Freeform: Shape 27">
-              <a:extLst>
-                <a:ext uri="{FF2B5EF4-FFF2-40B4-BE49-F238E27FC236}">
-                  <a16:creationId xmlns:a16="http://schemas.microsoft.com/office/drawing/2014/main" id="{CB32E89E-9E02-412F-A1A5-9E89BB68C954}"/>
-                </a:ext>
-                <a:ext uri="{C183D7F6-B498-43B3-948B-1728B52AA6E4}">
-                  <adec:decorative xmlns:adec="http://schemas.microsoft.com/office/drawing/2017/decorative" val="1"/>
-                </a:ext>
-              </a:extLst>
-            </p:cNvPr>
-            <p:cNvSpPr/>
-            <p:nvPr>
-              <p:extLst>
-                <p:ext uri="{386F3935-93C4-4BCD-93E2-E3B085C9AB24}">
-                  <p16:designElem xmlns:p16="http://schemas.microsoft.com/office/powerpoint/2015/main" val="1"/>
-                </p:ext>
-              </p:extLst>
-            </p:nvPr>
-          </p:nvSpPr>
-          <p:spPr>
-            <a:xfrm rot="10800000">
-              <a:off x="7838439" y="579694"/>
-              <a:ext cx="3312159" cy="5689511"/>
-            </a:xfrm>
-            <a:custGeom>
-              <a:avLst/>
-              <a:gdLst>
-                <a:gd name="connsiteX0" fmla="*/ 1700213 w 3400426"/>
-                <a:gd name="connsiteY0" fmla="*/ 5841130 h 5841130"/>
-                <a:gd name="connsiteX1" fmla="*/ 0 w 3400426"/>
-                <a:gd name="connsiteY1" fmla="*/ 4140917 h 5841130"/>
-                <a:gd name="connsiteX2" fmla="*/ 0 w 3400426"/>
-                <a:gd name="connsiteY2" fmla="*/ 3536080 h 5841130"/>
-                <a:gd name="connsiteX3" fmla="*/ 0 w 3400426"/>
-                <a:gd name="connsiteY3" fmla="*/ 3536080 h 5841130"/>
-                <a:gd name="connsiteX4" fmla="*/ 0 w 3400426"/>
-                <a:gd name="connsiteY4" fmla="*/ 1700213 h 5841130"/>
-                <a:gd name="connsiteX5" fmla="*/ 1700213 w 3400426"/>
-                <a:gd name="connsiteY5" fmla="*/ 0 h 5841130"/>
-                <a:gd name="connsiteX6" fmla="*/ 3400426 w 3400426"/>
-                <a:gd name="connsiteY6" fmla="*/ 1700213 h 5841130"/>
-                <a:gd name="connsiteX7" fmla="*/ 3400426 w 3400426"/>
-                <a:gd name="connsiteY7" fmla="*/ 2305050 h 5841130"/>
-                <a:gd name="connsiteX8" fmla="*/ 3400426 w 3400426"/>
-                <a:gd name="connsiteY8" fmla="*/ 2305050 h 5841130"/>
-                <a:gd name="connsiteX9" fmla="*/ 3400426 w 3400426"/>
-                <a:gd name="connsiteY9" fmla="*/ 4140917 h 5841130"/>
-                <a:gd name="connsiteX10" fmla="*/ 1700213 w 3400426"/>
-                <a:gd name="connsiteY10" fmla="*/ 5841130 h 5841130"/>
-              </a:gdLst>
-              <a:ahLst/>
-              <a:cxnLst>
-                <a:cxn ang="0">
-                  <a:pos x="connsiteX0" y="connsiteY0"/>
-                </a:cxn>
-                <a:cxn ang="0">
-                  <a:pos x="connsiteX1" y="connsiteY1"/>
-                </a:cxn>
-                <a:cxn ang="0">
-                  <a:pos x="connsiteX2" y="connsiteY2"/>
-                </a:cxn>
-                <a:cxn ang="0">
-                  <a:pos x="connsiteX3" y="connsiteY3"/>
-                </a:cxn>
-                <a:cxn ang="0">
-                  <a:pos x="connsiteX4" y="connsiteY4"/>
-                </a:cxn>
-                <a:cxn ang="0">
-                  <a:pos x="connsiteX5" y="connsiteY5"/>
-                </a:cxn>
-                <a:cxn ang="0">
-                  <a:pos x="connsiteX6" y="connsiteY6"/>
-                </a:cxn>
-                <a:cxn ang="0">
-                  <a:pos x="connsiteX7" y="connsiteY7"/>
-                </a:cxn>
-                <a:cxn ang="0">
-                  <a:pos x="connsiteX8" y="connsiteY8"/>
-                </a:cxn>
-                <a:cxn ang="0">
-                  <a:pos x="connsiteX9" y="connsiteY9"/>
-                </a:cxn>
-                <a:cxn ang="0">
-                  <a:pos x="connsiteX10" y="connsiteY10"/>
-                </a:cxn>
-              </a:cxnLst>
-              <a:rect l="l" t="t" r="r" b="b"/>
-              <a:pathLst>
-                <a:path w="3400426" h="5841130">
-                  <a:moveTo>
-                    <a:pt x="1700213" y="5841130"/>
-                  </a:moveTo>
-                  <a:cubicBezTo>
-                    <a:pt x="761211" y="5841130"/>
-                    <a:pt x="0" y="5079919"/>
-                    <a:pt x="0" y="4140917"/>
-                  </a:cubicBezTo>
-                  <a:lnTo>
-                    <a:pt x="0" y="3536080"/>
-                  </a:lnTo>
-                  <a:lnTo>
-                    <a:pt x="0" y="3536080"/>
-                  </a:lnTo>
-                  <a:lnTo>
-                    <a:pt x="0" y="1700213"/>
-                  </a:lnTo>
-                  <a:cubicBezTo>
-                    <a:pt x="0" y="761211"/>
-                    <a:pt x="761211" y="0"/>
-                    <a:pt x="1700213" y="0"/>
-                  </a:cubicBezTo>
-                  <a:cubicBezTo>
-                    <a:pt x="2639215" y="0"/>
-                    <a:pt x="3400426" y="761211"/>
-                    <a:pt x="3400426" y="1700213"/>
-                  </a:cubicBezTo>
-                  <a:lnTo>
-                    <a:pt x="3400426" y="2305050"/>
-                  </a:lnTo>
-                  <a:lnTo>
-                    <a:pt x="3400426" y="2305050"/>
-                  </a:lnTo>
-                  <a:lnTo>
-                    <a:pt x="3400426" y="4140917"/>
-                  </a:lnTo>
-                  <a:cubicBezTo>
-                    <a:pt x="3400426" y="5079919"/>
-                    <a:pt x="2639215" y="5841130"/>
-                    <a:pt x="1700213" y="5841130"/>
-                  </a:cubicBezTo>
-                  <a:close/>
-                </a:path>
-              </a:pathLst>
-            </a:custGeom>
-            <a:solidFill>
-              <a:srgbClr val="FFFFFF"/>
-            </a:solidFill>
-            <a:ln w="12700">
-              <a:solidFill>
-                <a:schemeClr val="accent4"/>
-              </a:solidFill>
-            </a:ln>
-          </p:spPr>
-          <p:style>
-            <a:lnRef idx="2">
-              <a:schemeClr val="accent1">
-                <a:shade val="50000"/>
-              </a:schemeClr>
-            </a:lnRef>
-            <a:fillRef idx="1">
-              <a:schemeClr val="accent1"/>
-            </a:fillRef>
-            <a:effectRef idx="0">
-              <a:schemeClr val="accent1"/>
-            </a:effectRef>
-            <a:fontRef idx="minor">
-              <a:schemeClr val="lt1"/>
-            </a:fontRef>
-          </p:style>
-          <p:txBody>
-            <a:bodyPr wrap="square" rtlCol="0" anchor="ctr">
-              <a:noAutofit/>
-            </a:bodyPr>
-            <a:lstStyle/>
-            <a:p>
-              <a:pPr algn="ctr"/>
-              <a:endParaRPr lang="en-US" dirty="0"/>
-            </a:p>
-          </p:txBody>
-        </p:sp>
-        <p:cxnSp>
-          <p:nvCxnSpPr>
-            <p:cNvPr id="29" name="Straight Connector 28">
-              <a:extLst>
-                <a:ext uri="{FF2B5EF4-FFF2-40B4-BE49-F238E27FC236}">
-                  <a16:creationId xmlns:a16="http://schemas.microsoft.com/office/drawing/2014/main" id="{FD01D54C-5EEF-4150-B5BA-95ED4660CB99}"/>
-                </a:ext>
-                <a:ext uri="{C183D7F6-B498-43B3-948B-1728B52AA6E4}">
-                  <adec:decorative xmlns:adec="http://schemas.microsoft.com/office/drawing/2017/decorative" val="1"/>
-                </a:ext>
-              </a:extLst>
-            </p:cNvPr>
-            <p:cNvCxnSpPr>
-              <a:cxnSpLocks/>
-            </p:cNvCxnSpPr>
-            <p:nvPr>
-              <p:extLst>
-                <p:ext uri="{386F3935-93C4-4BCD-93E2-E3B085C9AB24}">
-                  <p16:designElem xmlns:p16="http://schemas.microsoft.com/office/powerpoint/2015/main" val="1"/>
-                </p:ext>
-              </p:extLst>
-            </p:nvPr>
-          </p:nvCxnSpPr>
-          <p:spPr>
-            <a:xfrm>
-              <a:off x="7433816" y="0"/>
+              <a:off x="5171866" y="0"/>
               <a:ext cx="5783" cy="6858000"/>
             </a:xfrm>
             <a:prstGeom prst="line">
@@ -20926,10 +20928,10 @@
         </p:cxnSp>
         <p:cxnSp>
           <p:nvCxnSpPr>
-            <p:cNvPr id="30" name="Straight Connector 29">
+            <p:cNvPr id="53" name="Straight Connector 52">
               <a:extLst>
                 <a:ext uri="{FF2B5EF4-FFF2-40B4-BE49-F238E27FC236}">
-                  <a16:creationId xmlns:a16="http://schemas.microsoft.com/office/drawing/2014/main" id="{F896B64D-1E41-49E8-871B-78130E959A27}"/>
+                  <a16:creationId xmlns:a16="http://schemas.microsoft.com/office/drawing/2014/main" id="{84BC3379-DCF9-4AFD-9E5C-96195311ADF9}"/>
                 </a:ext>
                 <a:ext uri="{C183D7F6-B498-43B3-948B-1728B52AA6E4}">
                   <adec:decorative xmlns:adec="http://schemas.microsoft.com/office/drawing/2017/decorative" val="1"/>
@@ -20976,6 +20978,246 @@
             </a:fontRef>
           </p:style>
         </p:cxnSp>
+        <p:cxnSp>
+          <p:nvCxnSpPr>
+            <p:cNvPr id="54" name="Straight Connector 53">
+              <a:extLst>
+                <a:ext uri="{FF2B5EF4-FFF2-40B4-BE49-F238E27FC236}">
+                  <a16:creationId xmlns:a16="http://schemas.microsoft.com/office/drawing/2014/main" id="{04951568-25F6-4A2C-AE22-4B101B4B098E}"/>
+                </a:ext>
+                <a:ext uri="{C183D7F6-B498-43B3-948B-1728B52AA6E4}">
+                  <adec:decorative xmlns:adec="http://schemas.microsoft.com/office/drawing/2017/decorative" val="1"/>
+                </a:ext>
+              </a:extLst>
+            </p:cNvPr>
+            <p:cNvCxnSpPr>
+              <a:cxnSpLocks/>
+            </p:cNvCxnSpPr>
+            <p:nvPr>
+              <p:extLst>
+                <p:ext uri="{386F3935-93C4-4BCD-93E2-E3B085C9AB24}">
+                  <p16:designElem xmlns:p16="http://schemas.microsoft.com/office/powerpoint/2015/main" val="1"/>
+                </p:ext>
+              </p:extLst>
+            </p:nvPr>
+          </p:nvCxnSpPr>
+          <p:spPr>
+            <a:xfrm>
+              <a:off x="5171535" y="580248"/>
+              <a:ext cx="6400800" cy="0"/>
+            </a:xfrm>
+            <a:prstGeom prst="line">
+              <a:avLst/>
+            </a:prstGeom>
+            <a:ln w="12700">
+              <a:solidFill>
+                <a:schemeClr val="accent4"/>
+              </a:solidFill>
+            </a:ln>
+          </p:spPr>
+          <p:style>
+            <a:lnRef idx="1">
+              <a:schemeClr val="accent1"/>
+            </a:lnRef>
+            <a:fillRef idx="0">
+              <a:schemeClr val="accent1"/>
+            </a:fillRef>
+            <a:effectRef idx="0">
+              <a:schemeClr val="accent1"/>
+            </a:effectRef>
+            <a:fontRef idx="minor">
+              <a:schemeClr val="tx1"/>
+            </a:fontRef>
+          </p:style>
+        </p:cxnSp>
+        <p:cxnSp>
+          <p:nvCxnSpPr>
+            <p:cNvPr id="55" name="Straight Connector 54">
+              <a:extLst>
+                <a:ext uri="{FF2B5EF4-FFF2-40B4-BE49-F238E27FC236}">
+                  <a16:creationId xmlns:a16="http://schemas.microsoft.com/office/drawing/2014/main" id="{CE1BA811-AEFE-4240-B1B6-A4DA010E4A7D}"/>
+                </a:ext>
+                <a:ext uri="{C183D7F6-B498-43B3-948B-1728B52AA6E4}">
+                  <adec:decorative xmlns:adec="http://schemas.microsoft.com/office/drawing/2017/decorative" val="1"/>
+                </a:ext>
+              </a:extLst>
+            </p:cNvPr>
+            <p:cNvCxnSpPr>
+              <a:cxnSpLocks/>
+            </p:cNvCxnSpPr>
+            <p:nvPr>
+              <p:extLst>
+                <p:ext uri="{386F3935-93C4-4BCD-93E2-E3B085C9AB24}">
+                  <p16:designElem xmlns:p16="http://schemas.microsoft.com/office/powerpoint/2015/main" val="1"/>
+                </p:ext>
+              </p:extLst>
+            </p:nvPr>
+          </p:nvCxnSpPr>
+          <p:spPr>
+            <a:xfrm>
+              <a:off x="5171535" y="6275645"/>
+              <a:ext cx="6400800" cy="0"/>
+            </a:xfrm>
+            <a:prstGeom prst="line">
+              <a:avLst/>
+            </a:prstGeom>
+            <a:ln w="12700">
+              <a:solidFill>
+                <a:schemeClr val="accent4"/>
+              </a:solidFill>
+            </a:ln>
+          </p:spPr>
+          <p:style>
+            <a:lnRef idx="1">
+              <a:schemeClr val="accent1"/>
+            </a:lnRef>
+            <a:fillRef idx="0">
+              <a:schemeClr val="accent1"/>
+            </a:fillRef>
+            <a:effectRef idx="0">
+              <a:schemeClr val="accent1"/>
+            </a:effectRef>
+            <a:fontRef idx="minor">
+              <a:schemeClr val="tx1"/>
+            </a:fontRef>
+          </p:style>
+        </p:cxnSp>
+        <p:sp>
+          <p:nvSpPr>
+            <p:cNvPr id="56" name="Freeform: Shape 55">
+              <a:extLst>
+                <a:ext uri="{FF2B5EF4-FFF2-40B4-BE49-F238E27FC236}">
+                  <a16:creationId xmlns:a16="http://schemas.microsoft.com/office/drawing/2014/main" id="{118F67E6-57B7-459D-817E-C53BA83D0224}"/>
+                </a:ext>
+                <a:ext uri="{C183D7F6-B498-43B3-948B-1728B52AA6E4}">
+                  <adec:decorative xmlns:adec="http://schemas.microsoft.com/office/drawing/2017/decorative" val="1"/>
+                </a:ext>
+              </a:extLst>
+            </p:cNvPr>
+            <p:cNvSpPr/>
+            <p:nvPr>
+              <p:extLst>
+                <p:ext uri="{386F3935-93C4-4BCD-93E2-E3B085C9AB24}">
+                  <p16:designElem xmlns:p16="http://schemas.microsoft.com/office/powerpoint/2015/main" val="1"/>
+                </p:ext>
+              </p:extLst>
+            </p:nvPr>
+          </p:nvSpPr>
+          <p:spPr>
+            <a:xfrm rot="10800000">
+              <a:off x="5586979" y="1024758"/>
+              <a:ext cx="5514457" cy="4736267"/>
+            </a:xfrm>
+            <a:custGeom>
+              <a:avLst/>
+              <a:gdLst>
+                <a:gd name="connsiteX0" fmla="*/ 1700213 w 3400426"/>
+                <a:gd name="connsiteY0" fmla="*/ 2920565 h 2920565"/>
+                <a:gd name="connsiteX1" fmla="*/ 0 w 3400426"/>
+                <a:gd name="connsiteY1" fmla="*/ 1220352 h 2920565"/>
+                <a:gd name="connsiteX2" fmla="*/ 0 w 3400426"/>
+                <a:gd name="connsiteY2" fmla="*/ 615515 h 2920565"/>
+                <a:gd name="connsiteX3" fmla="*/ 0 w 3400426"/>
+                <a:gd name="connsiteY3" fmla="*/ 0 h 2920565"/>
+                <a:gd name="connsiteX4" fmla="*/ 3400426 w 3400426"/>
+                <a:gd name="connsiteY4" fmla="*/ 0 h 2920565"/>
+                <a:gd name="connsiteX5" fmla="*/ 3400426 w 3400426"/>
+                <a:gd name="connsiteY5" fmla="*/ 1220352 h 2920565"/>
+                <a:gd name="connsiteX6" fmla="*/ 1700213 w 3400426"/>
+                <a:gd name="connsiteY6" fmla="*/ 2920565 h 2920565"/>
+              </a:gdLst>
+              <a:ahLst/>
+              <a:cxnLst>
+                <a:cxn ang="0">
+                  <a:pos x="connsiteX0" y="connsiteY0"/>
+                </a:cxn>
+                <a:cxn ang="0">
+                  <a:pos x="connsiteX1" y="connsiteY1"/>
+                </a:cxn>
+                <a:cxn ang="0">
+                  <a:pos x="connsiteX2" y="connsiteY2"/>
+                </a:cxn>
+                <a:cxn ang="0">
+                  <a:pos x="connsiteX3" y="connsiteY3"/>
+                </a:cxn>
+                <a:cxn ang="0">
+                  <a:pos x="connsiteX4" y="connsiteY4"/>
+                </a:cxn>
+                <a:cxn ang="0">
+                  <a:pos x="connsiteX5" y="connsiteY5"/>
+                </a:cxn>
+                <a:cxn ang="0">
+                  <a:pos x="connsiteX6" y="connsiteY6"/>
+                </a:cxn>
+              </a:cxnLst>
+              <a:rect l="l" t="t" r="r" b="b"/>
+              <a:pathLst>
+                <a:path w="3400426" h="2920565">
+                  <a:moveTo>
+                    <a:pt x="1700213" y="2920565"/>
+                  </a:moveTo>
+                  <a:cubicBezTo>
+                    <a:pt x="761211" y="2920565"/>
+                    <a:pt x="0" y="2159354"/>
+                    <a:pt x="0" y="1220352"/>
+                  </a:cubicBezTo>
+                  <a:lnTo>
+                    <a:pt x="0" y="615515"/>
+                  </a:lnTo>
+                  <a:lnTo>
+                    <a:pt x="0" y="0"/>
+                  </a:lnTo>
+                  <a:lnTo>
+                    <a:pt x="3400426" y="0"/>
+                  </a:lnTo>
+                  <a:lnTo>
+                    <a:pt x="3400426" y="1220352"/>
+                  </a:lnTo>
+                  <a:cubicBezTo>
+                    <a:pt x="3400426" y="2159354"/>
+                    <a:pt x="2639215" y="2920565"/>
+                    <a:pt x="1700213" y="2920565"/>
+                  </a:cubicBezTo>
+                  <a:close/>
+                </a:path>
+              </a:pathLst>
+            </a:custGeom>
+            <a:solidFill>
+              <a:srgbClr val="FFFFFF"/>
+            </a:solidFill>
+            <a:ln w="12700">
+              <a:solidFill>
+                <a:schemeClr val="accent4"/>
+              </a:solidFill>
+            </a:ln>
+          </p:spPr>
+          <p:style>
+            <a:lnRef idx="2">
+              <a:schemeClr val="accent1">
+                <a:shade val="50000"/>
+              </a:schemeClr>
+            </a:lnRef>
+            <a:fillRef idx="1">
+              <a:schemeClr val="accent1"/>
+            </a:fillRef>
+            <a:effectRef idx="0">
+              <a:schemeClr val="accent1"/>
+            </a:effectRef>
+            <a:fontRef idx="minor">
+              <a:schemeClr val="lt1"/>
+            </a:fontRef>
+          </p:style>
+          <p:txBody>
+            <a:bodyPr wrap="square" rtlCol="0" anchor="ctr">
+              <a:noAutofit/>
+            </a:bodyPr>
+            <a:lstStyle/>
+            <a:p>
+              <a:pPr algn="ctr"/>
+              <a:endParaRPr lang="en-US" dirty="0"/>
+            </a:p>
+          </p:txBody>
+        </p:sp>
       </p:grpSp>
       <p:pic>
         <p:nvPicPr>
@@ -21008,8 +21250,8 @@
         </p:blipFill>
         <p:spPr>
           <a:xfrm>
-            <a:off x="8030819" y="2038643"/>
-            <a:ext cx="2919854" cy="2919854"/>
+            <a:off x="6478891" y="1884876"/>
+            <a:ext cx="3723844" cy="3723844"/>
           </a:xfrm>
           <a:prstGeom prst="rect">
             <a:avLst/>
@@ -22141,7 +22383,7 @@
             <p:ph idx="1"/>
             <p:extLst>
               <p:ext uri="{D42A27DB-BD31-4B8C-83A1-F6EECF244321}">
-                <p14:modId xmlns:p14="http://schemas.microsoft.com/office/powerpoint/2010/main" val="3988115397"/>
+                <p14:modId xmlns:p14="http://schemas.microsoft.com/office/powerpoint/2010/main" val="2509175039"/>
               </p:ext>
             </p:extLst>
           </p:nvPr>
@@ -23297,7 +23539,7 @@
       </p:grpSpPr>
       <p:sp useBgFill="1">
         <p:nvSpPr>
-          <p:cNvPr id="62" name="Rectangle 61">
+          <p:cNvPr id="77" name="Rectangle 76">
             <a:extLst>
               <a:ext uri="{FF2B5EF4-FFF2-40B4-BE49-F238E27FC236}">
                 <a16:creationId xmlns:a16="http://schemas.microsoft.com/office/drawing/2014/main" id="{CF10C978-51B5-420C-9A05-C8F194EACAC3}"/>
@@ -23357,7 +23599,7 @@
       </p:sp>
       <p:sp>
         <p:nvSpPr>
-          <p:cNvPr id="64" name="Rectangle 63">
+          <p:cNvPr id="79" name="Rectangle 78">
             <a:extLst>
               <a:ext uri="{FF2B5EF4-FFF2-40B4-BE49-F238E27FC236}">
                 <a16:creationId xmlns:a16="http://schemas.microsoft.com/office/drawing/2014/main" id="{28D34D1C-4E49-4D32-96F1-E49CEBBF86E0}"/>
@@ -23423,7 +23665,7 @@
       </p:sp>
       <p:grpSp>
         <p:nvGrpSpPr>
-          <p:cNvPr id="66" name="Group 65">
+          <p:cNvPr id="81" name="Group 80">
             <a:extLst>
               <a:ext uri="{FF2B5EF4-FFF2-40B4-BE49-F238E27FC236}">
                 <a16:creationId xmlns:a16="http://schemas.microsoft.com/office/drawing/2014/main" id="{6EDBC9C2-2A39-44A2-9D95-D1DE9E2B127D}"/>
@@ -23454,7 +23696,7 @@
         </p:grpSpPr>
         <p:cxnSp>
           <p:nvCxnSpPr>
-            <p:cNvPr id="67" name="Straight Connector 66">
+            <p:cNvPr id="82" name="Straight Connector 81">
               <a:extLst>
                 <a:ext uri="{FF2B5EF4-FFF2-40B4-BE49-F238E27FC236}">
                   <a16:creationId xmlns:a16="http://schemas.microsoft.com/office/drawing/2014/main" id="{793379BC-3088-4AE8-8EF7-59370D7EB927}"/>
@@ -23506,7 +23748,7 @@
         </p:cxnSp>
         <p:cxnSp>
           <p:nvCxnSpPr>
-            <p:cNvPr id="68" name="Straight Connector 67">
+            <p:cNvPr id="83" name="Straight Connector 82">
               <a:extLst>
                 <a:ext uri="{FF2B5EF4-FFF2-40B4-BE49-F238E27FC236}">
                   <a16:creationId xmlns:a16="http://schemas.microsoft.com/office/drawing/2014/main" id="{141DE74C-25AE-4959-99D5-0A77F1DFC8D3}"/>
@@ -23558,7 +23800,7 @@
         </p:cxnSp>
         <p:cxnSp>
           <p:nvCxnSpPr>
-            <p:cNvPr id="69" name="Straight Connector 68">
+            <p:cNvPr id="84" name="Straight Connector 83">
               <a:extLst>
                 <a:ext uri="{FF2B5EF4-FFF2-40B4-BE49-F238E27FC236}">
                   <a16:creationId xmlns:a16="http://schemas.microsoft.com/office/drawing/2014/main" id="{3D9235EF-4E81-496D-ADA8-13EED901E967}"/>
@@ -23610,7 +23852,7 @@
         </p:cxnSp>
         <p:cxnSp>
           <p:nvCxnSpPr>
-            <p:cNvPr id="70" name="Straight Connector 69">
+            <p:cNvPr id="85" name="Straight Connector 84">
               <a:extLst>
                 <a:ext uri="{FF2B5EF4-FFF2-40B4-BE49-F238E27FC236}">
                   <a16:creationId xmlns:a16="http://schemas.microsoft.com/office/drawing/2014/main" id="{F7241A77-6415-454C-B86E-F42A2802677E}"/>
@@ -23743,7 +23985,7 @@
           <a:p>
             <a:r>
               <a:rPr lang="en-US" sz="1700" dirty="0"/>
-              <a:t>My error was 12.2% which wasn’t bad, but since decision trees tend to overfit, I needed to look at how the model did on the test set</a:t>
+              <a:t>My error was 13.8% which wasn’t bad, but since decision trees tend to overfit, I needed to look at how the model did on the test set</a:t>
             </a:r>
           </a:p>
           <a:p>
@@ -23762,7 +24004,7 @@
       </p:sp>
       <p:cxnSp>
         <p:nvCxnSpPr>
-          <p:cNvPr id="72" name="Straight Connector 71">
+          <p:cNvPr id="87" name="Straight Connector 86">
             <a:extLst>
               <a:ext uri="{FF2B5EF4-FFF2-40B4-BE49-F238E27FC236}">
                 <a16:creationId xmlns:a16="http://schemas.microsoft.com/office/drawing/2014/main" id="{E32B0B7D-C67A-4103-B2F0-ACE40BD56D02}"/>
@@ -23814,10 +24056,10 @@
       </p:cxnSp>
       <p:pic>
         <p:nvPicPr>
-          <p:cNvPr id="6" name="Picture 5" descr="Text&#10;&#10;Description automatically generated">
+          <p:cNvPr id="5" name="Picture 4" descr="Text&#10;&#10;Description automatically generated">
             <a:extLst>
               <a:ext uri="{FF2B5EF4-FFF2-40B4-BE49-F238E27FC236}">
-                <a16:creationId xmlns:a16="http://schemas.microsoft.com/office/drawing/2014/main" id="{00BE40AE-D730-1828-981E-C1083526978A}"/>
+                <a16:creationId xmlns:a16="http://schemas.microsoft.com/office/drawing/2014/main" id="{A9F05DA8-A250-356A-61FE-8D9A353115BA}"/>
               </a:ext>
             </a:extLst>
           </p:cNvPr>
@@ -23834,8 +24076,8 @@
         </p:blipFill>
         <p:spPr>
           <a:xfrm>
-            <a:off x="7227144" y="868081"/>
-            <a:ext cx="3200400" cy="5120640"/>
+            <a:off x="7195141" y="868081"/>
+            <a:ext cx="3264406" cy="5120640"/>
           </a:xfrm>
           <a:prstGeom prst="rect">
             <a:avLst/>
@@ -23882,7 +24124,7 @@
       </p:grpSpPr>
       <p:sp useBgFill="1">
         <p:nvSpPr>
-          <p:cNvPr id="16" name="Rectangle 15">
+          <p:cNvPr id="31" name="Rectangle 30">
             <a:extLst>
               <a:ext uri="{FF2B5EF4-FFF2-40B4-BE49-F238E27FC236}">
                 <a16:creationId xmlns:a16="http://schemas.microsoft.com/office/drawing/2014/main" id="{CF10C978-51B5-420C-9A05-C8F194EACAC3}"/>
@@ -23942,7 +24184,7 @@
       </p:sp>
       <p:sp>
         <p:nvSpPr>
-          <p:cNvPr id="18" name="Rectangle 17">
+          <p:cNvPr id="33" name="Rectangle 32">
             <a:extLst>
               <a:ext uri="{FF2B5EF4-FFF2-40B4-BE49-F238E27FC236}">
                 <a16:creationId xmlns:a16="http://schemas.microsoft.com/office/drawing/2014/main" id="{28D34D1C-4E49-4D32-96F1-E49CEBBF86E0}"/>
@@ -24008,7 +24250,7 @@
       </p:sp>
       <p:grpSp>
         <p:nvGrpSpPr>
-          <p:cNvPr id="20" name="Group 19">
+          <p:cNvPr id="35" name="Group 34">
             <a:extLst>
               <a:ext uri="{FF2B5EF4-FFF2-40B4-BE49-F238E27FC236}">
                 <a16:creationId xmlns:a16="http://schemas.microsoft.com/office/drawing/2014/main" id="{6EDBC9C2-2A39-44A2-9D95-D1DE9E2B127D}"/>
@@ -24039,7 +24281,7 @@
         </p:grpSpPr>
         <p:cxnSp>
           <p:nvCxnSpPr>
-            <p:cNvPr id="21" name="Straight Connector 20">
+            <p:cNvPr id="36" name="Straight Connector 35">
               <a:extLst>
                 <a:ext uri="{FF2B5EF4-FFF2-40B4-BE49-F238E27FC236}">
                   <a16:creationId xmlns:a16="http://schemas.microsoft.com/office/drawing/2014/main" id="{793379BC-3088-4AE8-8EF7-59370D7EB927}"/>
@@ -24091,7 +24333,7 @@
         </p:cxnSp>
         <p:cxnSp>
           <p:nvCxnSpPr>
-            <p:cNvPr id="22" name="Straight Connector 21">
+            <p:cNvPr id="37" name="Straight Connector 36">
               <a:extLst>
                 <a:ext uri="{FF2B5EF4-FFF2-40B4-BE49-F238E27FC236}">
                   <a16:creationId xmlns:a16="http://schemas.microsoft.com/office/drawing/2014/main" id="{141DE74C-25AE-4959-99D5-0A77F1DFC8D3}"/>
@@ -24143,7 +24385,7 @@
         </p:cxnSp>
         <p:cxnSp>
           <p:nvCxnSpPr>
-            <p:cNvPr id="23" name="Straight Connector 22">
+            <p:cNvPr id="38" name="Straight Connector 37">
               <a:extLst>
                 <a:ext uri="{FF2B5EF4-FFF2-40B4-BE49-F238E27FC236}">
                   <a16:creationId xmlns:a16="http://schemas.microsoft.com/office/drawing/2014/main" id="{3D9235EF-4E81-496D-ADA8-13EED901E967}"/>
@@ -24195,7 +24437,7 @@
         </p:cxnSp>
         <p:cxnSp>
           <p:nvCxnSpPr>
-            <p:cNvPr id="24" name="Straight Connector 23">
+            <p:cNvPr id="39" name="Straight Connector 38">
               <a:extLst>
                 <a:ext uri="{FF2B5EF4-FFF2-40B4-BE49-F238E27FC236}">
                   <a16:creationId xmlns:a16="http://schemas.microsoft.com/office/drawing/2014/main" id="{F7241A77-6415-454C-B86E-F42A2802677E}"/>
@@ -24311,7 +24553,7 @@
           <a:p>
             <a:r>
               <a:rPr lang="en-US" dirty="0"/>
-              <a:t>All of my summary statistics were pretty good, with an overall accuracy of 85% and sensitivity and specificity almost equal</a:t>
+              <a:t>All of my summary statistics were pretty good, with an overall accuracy of almost 84% and sensitivity and specificity almost equal</a:t>
             </a:r>
           </a:p>
           <a:p>
@@ -24324,7 +24566,7 @@
       </p:sp>
       <p:cxnSp>
         <p:nvCxnSpPr>
-          <p:cNvPr id="26" name="Straight Connector 25">
+          <p:cNvPr id="41" name="Straight Connector 40">
             <a:extLst>
               <a:ext uri="{FF2B5EF4-FFF2-40B4-BE49-F238E27FC236}">
                 <a16:creationId xmlns:a16="http://schemas.microsoft.com/office/drawing/2014/main" id="{E32B0B7D-C67A-4103-B2F0-ACE40BD56D02}"/>
@@ -24376,10 +24618,10 @@
       </p:cxnSp>
       <p:pic>
         <p:nvPicPr>
-          <p:cNvPr id="9" name="Content Placeholder 8" descr="Text&#10;&#10;Description automatically generated">
+          <p:cNvPr id="4" name="Picture 3" descr="Text&#10;&#10;Description automatically generated">
             <a:extLst>
               <a:ext uri="{FF2B5EF4-FFF2-40B4-BE49-F238E27FC236}">
-                <a16:creationId xmlns:a16="http://schemas.microsoft.com/office/drawing/2014/main" id="{79FBADCA-827C-0364-0F74-8C2A91183BFC}"/>
+                <a16:creationId xmlns:a16="http://schemas.microsoft.com/office/drawing/2014/main" id="{A5585CF1-8F61-3E6B-6F47-EDCB2F3314C2}"/>
               </a:ext>
             </a:extLst>
           </p:cNvPr>
@@ -24396,8 +24638,8 @@
         </p:blipFill>
         <p:spPr>
           <a:xfrm>
-            <a:off x="6689477" y="868081"/>
-            <a:ext cx="4275733" cy="5120640"/>
+            <a:off x="6651072" y="868081"/>
+            <a:ext cx="4352543" cy="5120640"/>
           </a:xfrm>
           <a:prstGeom prst="rect">
             <a:avLst/>
@@ -24444,7 +24686,7 @@
       </p:grpSpPr>
       <p:sp useBgFill="1">
         <p:nvSpPr>
-          <p:cNvPr id="10" name="Rectangle 9">
+          <p:cNvPr id="25" name="Rectangle 24">
             <a:extLst>
               <a:ext uri="{FF2B5EF4-FFF2-40B4-BE49-F238E27FC236}">
                 <a16:creationId xmlns:a16="http://schemas.microsoft.com/office/drawing/2014/main" id="{CF10C978-51B5-420C-9A05-C8F194EACAC3}"/>
@@ -24504,7 +24746,7 @@
       </p:sp>
       <p:sp>
         <p:nvSpPr>
-          <p:cNvPr id="12" name="Rectangle 11">
+          <p:cNvPr id="27" name="Rectangle 26">
             <a:extLst>
               <a:ext uri="{FF2B5EF4-FFF2-40B4-BE49-F238E27FC236}">
                 <a16:creationId xmlns:a16="http://schemas.microsoft.com/office/drawing/2014/main" id="{28D34D1C-4E49-4D32-96F1-E49CEBBF86E0}"/>
@@ -24570,7 +24812,7 @@
       </p:sp>
       <p:grpSp>
         <p:nvGrpSpPr>
-          <p:cNvPr id="14" name="Group 13">
+          <p:cNvPr id="29" name="Group 28">
             <a:extLst>
               <a:ext uri="{FF2B5EF4-FFF2-40B4-BE49-F238E27FC236}">
                 <a16:creationId xmlns:a16="http://schemas.microsoft.com/office/drawing/2014/main" id="{6EDBC9C2-2A39-44A2-9D95-D1DE9E2B127D}"/>
@@ -24601,7 +24843,7 @@
         </p:grpSpPr>
         <p:cxnSp>
           <p:nvCxnSpPr>
-            <p:cNvPr id="15" name="Straight Connector 14">
+            <p:cNvPr id="30" name="Straight Connector 29">
               <a:extLst>
                 <a:ext uri="{FF2B5EF4-FFF2-40B4-BE49-F238E27FC236}">
                   <a16:creationId xmlns:a16="http://schemas.microsoft.com/office/drawing/2014/main" id="{793379BC-3088-4AE8-8EF7-59370D7EB927}"/>
@@ -24653,7 +24895,7 @@
         </p:cxnSp>
         <p:cxnSp>
           <p:nvCxnSpPr>
-            <p:cNvPr id="16" name="Straight Connector 15">
+            <p:cNvPr id="31" name="Straight Connector 30">
               <a:extLst>
                 <a:ext uri="{FF2B5EF4-FFF2-40B4-BE49-F238E27FC236}">
                   <a16:creationId xmlns:a16="http://schemas.microsoft.com/office/drawing/2014/main" id="{141DE74C-25AE-4959-99D5-0A77F1DFC8D3}"/>
@@ -24705,7 +24947,7 @@
         </p:cxnSp>
         <p:cxnSp>
           <p:nvCxnSpPr>
-            <p:cNvPr id="17" name="Straight Connector 16">
+            <p:cNvPr id="32" name="Straight Connector 31">
               <a:extLst>
                 <a:ext uri="{FF2B5EF4-FFF2-40B4-BE49-F238E27FC236}">
                   <a16:creationId xmlns:a16="http://schemas.microsoft.com/office/drawing/2014/main" id="{3D9235EF-4E81-496D-ADA8-13EED901E967}"/>
@@ -24757,7 +24999,7 @@
         </p:cxnSp>
         <p:cxnSp>
           <p:nvCxnSpPr>
-            <p:cNvPr id="18" name="Straight Connector 17">
+            <p:cNvPr id="33" name="Straight Connector 32">
               <a:extLst>
                 <a:ext uri="{FF2B5EF4-FFF2-40B4-BE49-F238E27FC236}">
                   <a16:creationId xmlns:a16="http://schemas.microsoft.com/office/drawing/2014/main" id="{F7241A77-6415-454C-B86E-F42A2802677E}"/>
@@ -24885,7 +25127,7 @@
           <a:p>
             <a:r>
               <a:rPr lang="en-US" dirty="0"/>
-              <a:t>I set 10 trials to repeat and got my error down to 5.7% from an original 12.2%</a:t>
+              <a:t>I set 10 trials to repeat and got my error down to 8.4% from an original 13.8%</a:t>
             </a:r>
           </a:p>
           <a:p>
@@ -24895,7 +25137,7 @@
       </p:sp>
       <p:cxnSp>
         <p:nvCxnSpPr>
-          <p:cNvPr id="20" name="Straight Connector 19">
+          <p:cNvPr id="35" name="Straight Connector 34">
             <a:extLst>
               <a:ext uri="{FF2B5EF4-FFF2-40B4-BE49-F238E27FC236}">
                 <a16:creationId xmlns:a16="http://schemas.microsoft.com/office/drawing/2014/main" id="{E32B0B7D-C67A-4103-B2F0-ACE40BD56D02}"/>
@@ -24947,10 +25189,10 @@
       </p:cxnSp>
       <p:pic>
         <p:nvPicPr>
-          <p:cNvPr id="5" name="Picture 4" descr="Graphical user interface, text&#10;&#10;Description automatically generated">
+          <p:cNvPr id="6" name="Picture 5" descr="Graphical user interface, text&#10;&#10;Description automatically generated">
             <a:extLst>
               <a:ext uri="{FF2B5EF4-FFF2-40B4-BE49-F238E27FC236}">
-                <a16:creationId xmlns:a16="http://schemas.microsoft.com/office/drawing/2014/main" id="{4C9EDD0B-9BCE-890A-7893-EB5E5C8EA10C}"/>
+                <a16:creationId xmlns:a16="http://schemas.microsoft.com/office/drawing/2014/main" id="{99654D11-B088-1161-2813-69CDAE1E9AAC}"/>
               </a:ext>
             </a:extLst>
           </p:cNvPr>
@@ -24967,8 +25209,8 @@
         </p:blipFill>
         <p:spPr>
           <a:xfrm>
-            <a:off x="6567862" y="868081"/>
-            <a:ext cx="4518963" cy="5120640"/>
+            <a:off x="7348760" y="868081"/>
+            <a:ext cx="2957168" cy="5120640"/>
           </a:xfrm>
           <a:prstGeom prst="rect">
             <a:avLst/>
